--- a/doc/comité-pilotage.pptx
+++ b/doc/comité-pilotage.pptx
@@ -127,11 +127,360 @@
     <p:ext uri="{EFAFB233-063F-42B5-8137-9DF3F51BA10A}">
       <p15:sldGuideLst xmlns:p15="http://schemas.microsoft.com/office/powerpoint/2012/main"/>
     </p:ext>
+    <p:ext uri="{2D200454-40CA-4A62-9FC3-DE9A4176ACB9}">
+      <p15:notesGuideLst xmlns:p15="http://schemas.microsoft.com/office/powerpoint/2012/main"/>
+    </p:ext>
   </p:extLst>
 </p:presentation>
 </file>
 
 <file path=ppt/charts/chart1.xml><?xml version="1.0" encoding="utf-8"?>
+<c:chartSpace xmlns:c="http://schemas.openxmlformats.org/drawingml/2006/chart" xmlns:a="http://schemas.openxmlformats.org/drawingml/2006/main" xmlns:r="http://schemas.openxmlformats.org/officeDocument/2006/relationships" xmlns:c16r2="http://schemas.microsoft.com/office/drawing/2015/06/chart">
+  <c:date1904 val="0"/>
+  <c:lang val="fr-FR"/>
+  <c:roundedCorners val="0"/>
+  <mc:AlternateContent xmlns:mc="http://schemas.openxmlformats.org/markup-compatibility/2006">
+    <mc:Choice xmlns:c14="http://schemas.microsoft.com/office/drawing/2007/8/2/chart" Requires="c14">
+      <c14:style val="102"/>
+    </mc:Choice>
+    <mc:Fallback>
+      <c:style val="2"/>
+    </mc:Fallback>
+  </mc:AlternateContent>
+  <c:chart>
+    <c:autoTitleDeleted val="1"/>
+    <c:plotArea>
+      <c:layout/>
+      <c:pieChart>
+        <c:varyColors val="1"/>
+        <c:ser>
+          <c:idx val="0"/>
+          <c:order val="0"/>
+          <c:tx>
+            <c:strRef>
+              <c:f>Feuil1!$B$1</c:f>
+              <c:strCache>
+                <c:ptCount val="1"/>
+                <c:pt idx="0">
+                  <c:v>Ventes</c:v>
+                </c:pt>
+              </c:strCache>
+            </c:strRef>
+          </c:tx>
+          <c:dPt>
+            <c:idx val="0"/>
+            <c:bubble3D val="0"/>
+            <c:spPr>
+              <a:solidFill>
+                <a:schemeClr val="accent1"/>
+              </a:solidFill>
+              <a:ln>
+                <a:noFill/>
+              </a:ln>
+              <a:effectLst>
+                <a:outerShdw blurRad="254000" sx="102000" sy="102000" algn="ctr" rotWithShape="0">
+                  <a:prstClr val="black">
+                    <a:alpha val="20000"/>
+                  </a:prstClr>
+                </a:outerShdw>
+              </a:effectLst>
+            </c:spPr>
+          </c:dPt>
+          <c:dPt>
+            <c:idx val="1"/>
+            <c:bubble3D val="0"/>
+            <c:spPr>
+              <a:solidFill>
+                <a:schemeClr val="accent2"/>
+              </a:solidFill>
+              <a:ln>
+                <a:noFill/>
+              </a:ln>
+              <a:effectLst>
+                <a:outerShdw blurRad="254000" sx="102000" sy="102000" algn="ctr" rotWithShape="0">
+                  <a:prstClr val="black">
+                    <a:alpha val="20000"/>
+                  </a:prstClr>
+                </a:outerShdw>
+              </a:effectLst>
+            </c:spPr>
+          </c:dPt>
+          <c:dPt>
+            <c:idx val="2"/>
+            <c:bubble3D val="0"/>
+            <c:spPr>
+              <a:solidFill>
+                <a:schemeClr val="accent3"/>
+              </a:solidFill>
+              <a:ln>
+                <a:noFill/>
+              </a:ln>
+              <a:effectLst>
+                <a:outerShdw blurRad="254000" sx="102000" sy="102000" algn="ctr" rotWithShape="0">
+                  <a:prstClr val="black">
+                    <a:alpha val="20000"/>
+                  </a:prstClr>
+                </a:outerShdw>
+              </a:effectLst>
+            </c:spPr>
+          </c:dPt>
+          <c:dPt>
+            <c:idx val="3"/>
+            <c:bubble3D val="0"/>
+            <c:spPr>
+              <a:solidFill>
+                <a:schemeClr val="accent4"/>
+              </a:solidFill>
+              <a:ln>
+                <a:noFill/>
+              </a:ln>
+              <a:effectLst>
+                <a:outerShdw blurRad="254000" sx="102000" sy="102000" algn="ctr" rotWithShape="0">
+                  <a:prstClr val="black">
+                    <a:alpha val="20000"/>
+                  </a:prstClr>
+                </a:outerShdw>
+              </a:effectLst>
+            </c:spPr>
+          </c:dPt>
+          <c:dPt>
+            <c:idx val="4"/>
+            <c:bubble3D val="0"/>
+            <c:spPr>
+              <a:noFill/>
+              <a:ln>
+                <a:noFill/>
+              </a:ln>
+              <a:effectLst>
+                <a:outerShdw blurRad="254000" sx="102000" sy="102000" algn="ctr" rotWithShape="0">
+                  <a:prstClr val="black">
+                    <a:alpha val="20000"/>
+                  </a:prstClr>
+                </a:outerShdw>
+              </a:effectLst>
+            </c:spPr>
+            <c:extLst>
+              <c:ext xmlns:c16="http://schemas.microsoft.com/office/drawing/2014/chart" uri="{C3380CC4-5D6E-409C-BE32-E72D297353CC}">
+                <c16:uniqueId val="{00000002-B749-4870-AA3C-2BE76D681A26}"/>
+              </c:ext>
+            </c:extLst>
+          </c:dPt>
+          <c:dLbls>
+            <c:spPr>
+              <a:pattFill prst="pct75">
+                <a:fgClr>
+                  <a:schemeClr val="dk1">
+                    <a:lumMod val="75000"/>
+                    <a:lumOff val="25000"/>
+                  </a:schemeClr>
+                </a:fgClr>
+                <a:bgClr>
+                  <a:schemeClr val="dk1">
+                    <a:lumMod val="65000"/>
+                    <a:lumOff val="35000"/>
+                  </a:schemeClr>
+                </a:bgClr>
+              </a:pattFill>
+              <a:ln>
+                <a:noFill/>
+              </a:ln>
+              <a:effectLst>
+                <a:outerShdw blurRad="50800" dist="38100" dir="2700000" algn="tl" rotWithShape="0">
+                  <a:prstClr val="black">
+                    <a:alpha val="40000"/>
+                  </a:prstClr>
+                </a:outerShdw>
+              </a:effectLst>
+            </c:spPr>
+            <c:txPr>
+              <a:bodyPr rot="0" spcFirstLastPara="1" vertOverflow="ellipsis" vert="horz" wrap="square" lIns="38100" tIns="19050" rIns="38100" bIns="19050" anchor="ctr" anchorCtr="1">
+                <a:spAutoFit/>
+              </a:bodyPr>
+              <a:lstStyle/>
+              <a:p>
+                <a:pPr>
+                  <a:defRPr sz="1330" b="1" i="0" u="none" strike="noStrike" kern="1200" baseline="0">
+                    <a:solidFill>
+                      <a:schemeClr val="lt1"/>
+                    </a:solidFill>
+                    <a:latin typeface="+mn-lt"/>
+                    <a:ea typeface="+mn-ea"/>
+                    <a:cs typeface="+mn-cs"/>
+                  </a:defRPr>
+                </a:pPr>
+                <a:endParaRPr lang="fr-FR"/>
+              </a:p>
+            </c:txPr>
+            <c:dLblPos val="ctr"/>
+            <c:showLegendKey val="0"/>
+            <c:showVal val="0"/>
+            <c:showCatName val="0"/>
+            <c:showSerName val="0"/>
+            <c:showPercent val="1"/>
+            <c:showBubbleSize val="0"/>
+            <c:showLeaderLines val="1"/>
+            <c:leaderLines>
+              <c:spPr>
+                <a:ln w="9525">
+                  <a:solidFill>
+                    <a:schemeClr val="dk1">
+                      <a:lumMod val="50000"/>
+                      <a:lumOff val="50000"/>
+                    </a:schemeClr>
+                  </a:solidFill>
+                </a:ln>
+                <a:effectLst/>
+              </c:spPr>
+            </c:leaderLines>
+            <c:extLst>
+              <c:ext xmlns:c15="http://schemas.microsoft.com/office/drawing/2012/chart" uri="{CE6537A1-D6FC-4f65-9D91-7224C49458BB}"/>
+            </c:extLst>
+          </c:dLbls>
+          <c:cat>
+            <c:strRef>
+              <c:f>Feuil1!$A$2:$A$6</c:f>
+              <c:strCache>
+                <c:ptCount val="5"/>
+                <c:pt idx="0">
+                  <c:v>Implementation des regles</c:v>
+                </c:pt>
+                <c:pt idx="1">
+                  <c:v>Interface des regles</c:v>
+                </c:pt>
+                <c:pt idx="2">
+                  <c:v>Interface de verification</c:v>
+                </c:pt>
+                <c:pt idx="3">
+                  <c:v>Test unitaires</c:v>
+                </c:pt>
+                <c:pt idx="4">
+                  <c:v>A faire</c:v>
+                </c:pt>
+              </c:strCache>
+            </c:strRef>
+          </c:cat>
+          <c:val>
+            <c:numRef>
+              <c:f>Feuil1!$B$2:$B$6</c:f>
+              <c:numCache>
+                <c:formatCode>General</c:formatCode>
+                <c:ptCount val="5"/>
+                <c:pt idx="0">
+                  <c:v>1.75</c:v>
+                </c:pt>
+                <c:pt idx="1">
+                  <c:v>1.5</c:v>
+                </c:pt>
+                <c:pt idx="2">
+                  <c:v>2</c:v>
+                </c:pt>
+                <c:pt idx="3">
+                  <c:v>1.75</c:v>
+                </c:pt>
+                <c:pt idx="4">
+                  <c:v>4</c:v>
+                </c:pt>
+              </c:numCache>
+            </c:numRef>
+          </c:val>
+          <c:extLst>
+            <c:ext xmlns:c16="http://schemas.microsoft.com/office/drawing/2014/chart" uri="{C3380CC4-5D6E-409C-BE32-E72D297353CC}">
+              <c16:uniqueId val="{00000000-B749-4870-AA3C-2BE76D681A26}"/>
+            </c:ext>
+          </c:extLst>
+        </c:ser>
+        <c:dLbls>
+          <c:dLblPos val="ctr"/>
+          <c:showLegendKey val="0"/>
+          <c:showVal val="0"/>
+          <c:showCatName val="0"/>
+          <c:showSerName val="0"/>
+          <c:showPercent val="1"/>
+          <c:showBubbleSize val="0"/>
+          <c:showLeaderLines val="1"/>
+        </c:dLbls>
+        <c:firstSliceAng val="0"/>
+      </c:pieChart>
+      <c:spPr>
+        <a:noFill/>
+        <a:ln>
+          <a:noFill/>
+        </a:ln>
+        <a:effectLst/>
+      </c:spPr>
+    </c:plotArea>
+    <c:legend>
+      <c:legendPos val="r"/>
+      <c:overlay val="0"/>
+      <c:spPr>
+        <a:solidFill>
+          <a:schemeClr val="lt1">
+            <a:lumMod val="95000"/>
+            <a:alpha val="39000"/>
+          </a:schemeClr>
+        </a:solidFill>
+        <a:ln>
+          <a:noFill/>
+        </a:ln>
+        <a:effectLst/>
+      </c:spPr>
+      <c:txPr>
+        <a:bodyPr rot="0" spcFirstLastPara="1" vertOverflow="ellipsis" vert="horz" wrap="square" anchor="ctr" anchorCtr="1"/>
+        <a:lstStyle/>
+        <a:p>
+          <a:pPr>
+            <a:defRPr sz="1197" b="0" i="0" u="none" strike="noStrike" kern="1200" baseline="0">
+              <a:solidFill>
+                <a:schemeClr val="dk1">
+                  <a:lumMod val="75000"/>
+                  <a:lumOff val="25000"/>
+                </a:schemeClr>
+              </a:solidFill>
+              <a:latin typeface="+mn-lt"/>
+              <a:ea typeface="+mn-ea"/>
+              <a:cs typeface="+mn-cs"/>
+            </a:defRPr>
+          </a:pPr>
+          <a:endParaRPr lang="fr-FR"/>
+        </a:p>
+      </c:txPr>
+    </c:legend>
+    <c:plotVisOnly val="1"/>
+    <c:dispBlanksAs val="gap"/>
+    <c:extLst>
+      <c:ext xmlns:c16r3="http://schemas.microsoft.com/office/drawing/2017/03/chart" uri="{56B9EC1D-385E-4148-901F-78D8002777C0}">
+        <c16r3:dataDisplayOptions16>
+          <c16r3:dispNaAsBlank val="1"/>
+        </c16r3:dataDisplayOptions16>
+      </c:ext>
+    </c:extLst>
+    <c:showDLblsOverMax val="0"/>
+  </c:chart>
+  <c:spPr>
+    <a:noFill/>
+    <a:ln w="9525" cap="flat" cmpd="sng" algn="ctr">
+      <a:noFill/>
+      <a:round/>
+    </a:ln>
+    <a:effectLst/>
+  </c:spPr>
+  <c:txPr>
+    <a:bodyPr/>
+    <a:lstStyle/>
+    <a:p>
+      <a:pPr>
+        <a:defRPr/>
+      </a:pPr>
+      <a:endParaRPr lang="fr-FR"/>
+    </a:p>
+  </c:txPr>
+  <c:externalData r:id="rId3">
+    <c:autoUpdate val="0"/>
+  </c:externalData>
+</c:chartSpace>
+</file>
+
+<file path=ppt/charts/chart2.xml><?xml version="1.0" encoding="utf-8"?>
 <c:chartSpace xmlns:c="http://schemas.openxmlformats.org/drawingml/2006/chart" xmlns:a="http://schemas.openxmlformats.org/drawingml/2006/main" xmlns:r="http://schemas.openxmlformats.org/officeDocument/2006/relationships" xmlns:c16r2="http://schemas.microsoft.com/office/drawing/2015/06/chart">
   <c:date1904 val="0"/>
   <c:lang val="fr-FR"/>
@@ -232,6 +581,11 @@
               </a:effectLst>
               <a:sp3d/>
             </c:spPr>
+            <c:extLst>
+              <c:ext xmlns:c16="http://schemas.microsoft.com/office/drawing/2014/chart" uri="{C3380CC4-5D6E-409C-BE32-E72D297353CC}">
+                <c16:uniqueId val="{00000001-3B05-478D-87C7-3A1E377CEA77}"/>
+              </c:ext>
+            </c:extLst>
           </c:dPt>
           <c:dPt>
             <c:idx val="1"/>
@@ -252,6 +606,11 @@
               </a:effectLst>
               <a:sp3d/>
             </c:spPr>
+            <c:extLst>
+              <c:ext xmlns:c16="http://schemas.microsoft.com/office/drawing/2014/chart" uri="{C3380CC4-5D6E-409C-BE32-E72D297353CC}">
+                <c16:uniqueId val="{00000003-3B05-478D-87C7-3A1E377CEA77}"/>
+              </c:ext>
+            </c:extLst>
           </c:dPt>
           <c:dPt>
             <c:idx val="2"/>
@@ -517,7 +876,648 @@
 </cs:colorStyle>
 </file>
 
+<file path=ppt/charts/colors2.xml><?xml version="1.0" encoding="utf-8"?>
+<cs:colorStyle xmlns:cs="http://schemas.microsoft.com/office/drawing/2012/chartStyle" xmlns:a="http://schemas.openxmlformats.org/drawingml/2006/main" meth="cycle" id="10">
+  <a:schemeClr val="accent1"/>
+  <a:schemeClr val="accent2"/>
+  <a:schemeClr val="accent3"/>
+  <a:schemeClr val="accent4"/>
+  <a:schemeClr val="accent5"/>
+  <a:schemeClr val="accent6"/>
+  <cs:variation/>
+  <cs:variation>
+    <a:lumMod val="60000"/>
+  </cs:variation>
+  <cs:variation>
+    <a:lumMod val="80000"/>
+    <a:lumOff val="20000"/>
+  </cs:variation>
+  <cs:variation>
+    <a:lumMod val="80000"/>
+  </cs:variation>
+  <cs:variation>
+    <a:lumMod val="60000"/>
+    <a:lumOff val="40000"/>
+  </cs:variation>
+  <cs:variation>
+    <a:lumMod val="50000"/>
+  </cs:variation>
+  <cs:variation>
+    <a:lumMod val="70000"/>
+    <a:lumOff val="30000"/>
+  </cs:variation>
+  <cs:variation>
+    <a:lumMod val="70000"/>
+  </cs:variation>
+  <cs:variation>
+    <a:lumMod val="50000"/>
+    <a:lumOff val="50000"/>
+  </cs:variation>
+</cs:colorStyle>
+</file>
+
 <file path=ppt/charts/style1.xml><?xml version="1.0" encoding="utf-8"?>
+<cs:chartStyle xmlns:cs="http://schemas.microsoft.com/office/drawing/2012/chartStyle" xmlns:a="http://schemas.openxmlformats.org/drawingml/2006/main" id="253">
+  <cs:axisTitle>
+    <cs:lnRef idx="0"/>
+    <cs:fillRef idx="0"/>
+    <cs:effectRef idx="0"/>
+    <cs:fontRef idx="minor">
+      <a:schemeClr val="dk1">
+        <a:lumMod val="75000"/>
+        <a:lumOff val="25000"/>
+      </a:schemeClr>
+    </cs:fontRef>
+    <cs:defRPr sz="1197" b="1" kern="1200"/>
+  </cs:axisTitle>
+  <cs:categoryAxis>
+    <cs:lnRef idx="0"/>
+    <cs:fillRef idx="0"/>
+    <cs:effectRef idx="0"/>
+    <cs:fontRef idx="minor">
+      <a:schemeClr val="dk1">
+        <a:lumMod val="75000"/>
+        <a:lumOff val="25000"/>
+      </a:schemeClr>
+    </cs:fontRef>
+    <cs:spPr>
+      <a:ln w="19050" cap="flat" cmpd="sng" algn="ctr">
+        <a:solidFill>
+          <a:schemeClr val="dk1">
+            <a:lumMod val="75000"/>
+            <a:lumOff val="25000"/>
+          </a:schemeClr>
+        </a:solidFill>
+        <a:round/>
+      </a:ln>
+    </cs:spPr>
+    <cs:defRPr sz="1197" kern="1200" cap="all" baseline="0"/>
+  </cs:categoryAxis>
+  <cs:chartArea>
+    <cs:lnRef idx="0"/>
+    <cs:fillRef idx="0"/>
+    <cs:effectRef idx="0"/>
+    <cs:fontRef idx="minor">
+      <a:schemeClr val="dk1"/>
+    </cs:fontRef>
+    <cs:spPr>
+      <a:gradFill flip="none" rotWithShape="1">
+        <a:gsLst>
+          <a:gs pos="0">
+            <a:schemeClr val="lt1"/>
+          </a:gs>
+          <a:gs pos="39000">
+            <a:schemeClr val="lt1"/>
+          </a:gs>
+          <a:gs pos="100000">
+            <a:schemeClr val="lt1">
+              <a:lumMod val="75000"/>
+            </a:schemeClr>
+          </a:gs>
+        </a:gsLst>
+        <a:path path="circle">
+          <a:fillToRect l="50000" t="-80000" r="50000" b="180000"/>
+        </a:path>
+        <a:tileRect/>
+      </a:gradFill>
+      <a:ln w="9525" cap="flat" cmpd="sng" algn="ctr">
+        <a:solidFill>
+          <a:schemeClr val="dk1">
+            <a:lumMod val="25000"/>
+            <a:lumOff val="75000"/>
+          </a:schemeClr>
+        </a:solidFill>
+        <a:round/>
+      </a:ln>
+    </cs:spPr>
+    <cs:defRPr sz="1197" kern="1200"/>
+  </cs:chartArea>
+  <cs:dataLabel>
+    <cs:lnRef idx="0"/>
+    <cs:fillRef idx="0"/>
+    <cs:effectRef idx="0"/>
+    <cs:fontRef idx="minor">
+      <a:schemeClr val="lt1"/>
+    </cs:fontRef>
+    <cs:spPr>
+      <a:pattFill prst="pct75">
+        <a:fgClr>
+          <a:schemeClr val="dk1">
+            <a:lumMod val="75000"/>
+            <a:lumOff val="25000"/>
+          </a:schemeClr>
+        </a:fgClr>
+        <a:bgClr>
+          <a:schemeClr val="dk1">
+            <a:lumMod val="65000"/>
+            <a:lumOff val="35000"/>
+          </a:schemeClr>
+        </a:bgClr>
+      </a:pattFill>
+      <a:effectLst>
+        <a:outerShdw blurRad="50800" dist="38100" dir="2700000" algn="tl" rotWithShape="0">
+          <a:prstClr val="black">
+            <a:alpha val="40000"/>
+          </a:prstClr>
+        </a:outerShdw>
+      </a:effectLst>
+    </cs:spPr>
+    <cs:defRPr sz="1330" b="1" i="0" u="none" strike="noStrike" kern="1200" baseline="0"/>
+  </cs:dataLabel>
+  <cs:dataLabelCallout>
+    <cs:lnRef idx="0"/>
+    <cs:fillRef idx="0"/>
+    <cs:effectRef idx="0"/>
+    <cs:fontRef idx="minor">
+      <a:schemeClr val="lt1"/>
+    </cs:fontRef>
+    <cs:spPr>
+      <a:pattFill prst="pct75">
+        <a:fgClr>
+          <a:schemeClr val="dk1">
+            <a:lumMod val="75000"/>
+            <a:lumOff val="25000"/>
+          </a:schemeClr>
+        </a:fgClr>
+        <a:bgClr>
+          <a:schemeClr val="dk1">
+            <a:lumMod val="65000"/>
+            <a:lumOff val="35000"/>
+          </a:schemeClr>
+        </a:bgClr>
+      </a:pattFill>
+      <a:effectLst>
+        <a:outerShdw blurRad="50800" dist="38100" dir="2700000" algn="tl" rotWithShape="0">
+          <a:prstClr val="black">
+            <a:alpha val="40000"/>
+          </a:prstClr>
+        </a:outerShdw>
+      </a:effectLst>
+    </cs:spPr>
+    <cs:defRPr sz="1330" b="1" i="0" u="none" strike="noStrike" kern="1200" baseline="0"/>
+    <cs:bodyPr rot="0" spcFirstLastPara="1" vertOverflow="clip" horzOverflow="clip" vert="horz" wrap="square" lIns="36576" tIns="18288" rIns="36576" bIns="18288" anchor="ctr" anchorCtr="1">
+      <a:spAutoFit/>
+    </cs:bodyPr>
+  </cs:dataLabelCallout>
+  <cs:dataPoint>
+    <cs:lnRef idx="0"/>
+    <cs:fillRef idx="0">
+      <cs:styleClr val="auto"/>
+    </cs:fillRef>
+    <cs:effectRef idx="0"/>
+    <cs:fontRef idx="minor">
+      <a:schemeClr val="dk1"/>
+    </cs:fontRef>
+    <cs:spPr>
+      <a:solidFill>
+        <a:schemeClr val="phClr"/>
+      </a:solidFill>
+      <a:effectLst>
+        <a:outerShdw blurRad="254000" sx="102000" sy="102000" algn="ctr" rotWithShape="0">
+          <a:prstClr val="black">
+            <a:alpha val="20000"/>
+          </a:prstClr>
+        </a:outerShdw>
+      </a:effectLst>
+    </cs:spPr>
+  </cs:dataPoint>
+  <cs:dataPoint3D>
+    <cs:lnRef idx="0"/>
+    <cs:fillRef idx="0">
+      <cs:styleClr val="auto"/>
+    </cs:fillRef>
+    <cs:effectRef idx="0"/>
+    <cs:fontRef idx="minor">
+      <a:schemeClr val="dk1"/>
+    </cs:fontRef>
+    <cs:spPr>
+      <a:solidFill>
+        <a:schemeClr val="phClr"/>
+      </a:solidFill>
+      <a:effectLst>
+        <a:outerShdw blurRad="254000" sx="102000" sy="102000" algn="ctr" rotWithShape="0">
+          <a:prstClr val="black">
+            <a:alpha val="20000"/>
+          </a:prstClr>
+        </a:outerShdw>
+      </a:effectLst>
+    </cs:spPr>
+  </cs:dataPoint3D>
+  <cs:dataPointLine>
+    <cs:lnRef idx="0">
+      <cs:styleClr val="auto"/>
+    </cs:lnRef>
+    <cs:fillRef idx="0"/>
+    <cs:effectRef idx="0"/>
+    <cs:fontRef idx="minor">
+      <a:schemeClr val="dk1"/>
+    </cs:fontRef>
+    <cs:spPr>
+      <a:ln w="31750" cap="rnd">
+        <a:solidFill>
+          <a:schemeClr val="phClr">
+            <a:alpha val="85000"/>
+          </a:schemeClr>
+        </a:solidFill>
+        <a:round/>
+      </a:ln>
+    </cs:spPr>
+  </cs:dataPointLine>
+  <cs:dataPointMarker>
+    <cs:lnRef idx="0"/>
+    <cs:fillRef idx="0">
+      <cs:styleClr val="auto"/>
+    </cs:fillRef>
+    <cs:effectRef idx="0"/>
+    <cs:fontRef idx="minor">
+      <a:schemeClr val="dk1"/>
+    </cs:fontRef>
+    <cs:spPr>
+      <a:solidFill>
+        <a:schemeClr val="phClr">
+          <a:alpha val="85000"/>
+        </a:schemeClr>
+      </a:solidFill>
+    </cs:spPr>
+  </cs:dataPointMarker>
+  <cs:dataPointMarkerLayout symbol="circle" size="6"/>
+  <cs:dataPointWireframe>
+    <cs:lnRef idx="0">
+      <cs:styleClr val="auto"/>
+    </cs:lnRef>
+    <cs:fillRef idx="0"/>
+    <cs:effectRef idx="0"/>
+    <cs:fontRef idx="minor">
+      <a:schemeClr val="dk1"/>
+    </cs:fontRef>
+    <cs:spPr>
+      <a:ln w="9525" cap="rnd">
+        <a:solidFill>
+          <a:schemeClr val="phClr"/>
+        </a:solidFill>
+        <a:round/>
+      </a:ln>
+    </cs:spPr>
+  </cs:dataPointWireframe>
+  <cs:dataTable>
+    <cs:lnRef idx="0"/>
+    <cs:fillRef idx="0"/>
+    <cs:effectRef idx="0"/>
+    <cs:fontRef idx="minor">
+      <a:schemeClr val="dk1">
+        <a:lumMod val="75000"/>
+        <a:lumOff val="25000"/>
+      </a:schemeClr>
+    </cs:fontRef>
+    <cs:spPr>
+      <a:ln w="9525">
+        <a:solidFill>
+          <a:schemeClr val="dk1">
+            <a:lumMod val="35000"/>
+            <a:lumOff val="65000"/>
+          </a:schemeClr>
+        </a:solidFill>
+      </a:ln>
+    </cs:spPr>
+    <cs:defRPr sz="1197" kern="1200"/>
+  </cs:dataTable>
+  <cs:downBar>
+    <cs:lnRef idx="0"/>
+    <cs:fillRef idx="0"/>
+    <cs:effectRef idx="0"/>
+    <cs:fontRef idx="minor">
+      <a:schemeClr val="dk1"/>
+    </cs:fontRef>
+    <cs:spPr>
+      <a:solidFill>
+        <a:schemeClr val="dk1">
+          <a:lumMod val="50000"/>
+          <a:lumOff val="50000"/>
+        </a:schemeClr>
+      </a:solidFill>
+      <a:ln w="9525">
+        <a:solidFill>
+          <a:schemeClr val="dk1">
+            <a:lumMod val="65000"/>
+            <a:lumOff val="35000"/>
+          </a:schemeClr>
+        </a:solidFill>
+      </a:ln>
+    </cs:spPr>
+  </cs:downBar>
+  <cs:dropLine>
+    <cs:lnRef idx="0"/>
+    <cs:fillRef idx="0"/>
+    <cs:effectRef idx="0"/>
+    <cs:fontRef idx="minor">
+      <a:schemeClr val="dk1"/>
+    </cs:fontRef>
+    <cs:spPr>
+      <a:ln w="9525">
+        <a:solidFill>
+          <a:schemeClr val="dk1">
+            <a:lumMod val="35000"/>
+            <a:lumOff val="65000"/>
+          </a:schemeClr>
+        </a:solidFill>
+        <a:prstDash val="dash"/>
+      </a:ln>
+    </cs:spPr>
+  </cs:dropLine>
+  <cs:errorBar>
+    <cs:lnRef idx="0"/>
+    <cs:fillRef idx="0"/>
+    <cs:effectRef idx="0"/>
+    <cs:fontRef idx="minor">
+      <a:schemeClr val="dk1"/>
+    </cs:fontRef>
+    <cs:spPr>
+      <a:ln w="9525">
+        <a:solidFill>
+          <a:schemeClr val="dk1">
+            <a:lumMod val="65000"/>
+            <a:lumOff val="35000"/>
+          </a:schemeClr>
+        </a:solidFill>
+        <a:round/>
+      </a:ln>
+    </cs:spPr>
+  </cs:errorBar>
+  <cs:floor>
+    <cs:lnRef idx="0"/>
+    <cs:fillRef idx="0"/>
+    <cs:effectRef idx="0"/>
+    <cs:fontRef idx="minor">
+      <a:schemeClr val="dk1"/>
+    </cs:fontRef>
+  </cs:floor>
+  <cs:gridlineMajor>
+    <cs:lnRef idx="0"/>
+    <cs:fillRef idx="0"/>
+    <cs:effectRef idx="0"/>
+    <cs:fontRef idx="minor">
+      <a:schemeClr val="dk1"/>
+    </cs:fontRef>
+    <cs:spPr>
+      <a:ln w="9525" cap="flat" cmpd="sng" algn="ctr">
+        <a:gradFill>
+          <a:gsLst>
+            <a:gs pos="100000">
+              <a:schemeClr val="dk1">
+                <a:lumMod val="95000"/>
+                <a:lumOff val="5000"/>
+                <a:alpha val="42000"/>
+              </a:schemeClr>
+            </a:gs>
+            <a:gs pos="0">
+              <a:schemeClr val="lt1">
+                <a:lumMod val="75000"/>
+                <a:alpha val="36000"/>
+              </a:schemeClr>
+            </a:gs>
+          </a:gsLst>
+          <a:lin ang="5400000" scaled="0"/>
+        </a:gradFill>
+        <a:round/>
+      </a:ln>
+    </cs:spPr>
+  </cs:gridlineMajor>
+  <cs:gridlineMinor>
+    <cs:lnRef idx="0"/>
+    <cs:fillRef idx="0"/>
+    <cs:effectRef idx="0"/>
+    <cs:fontRef idx="minor">
+      <a:schemeClr val="dk1"/>
+    </cs:fontRef>
+    <cs:spPr>
+      <a:ln>
+        <a:gradFill>
+          <a:gsLst>
+            <a:gs pos="100000">
+              <a:schemeClr val="dk1">
+                <a:lumMod val="95000"/>
+                <a:lumOff val="5000"/>
+                <a:alpha val="42000"/>
+              </a:schemeClr>
+            </a:gs>
+            <a:gs pos="0">
+              <a:schemeClr val="lt1">
+                <a:lumMod val="75000"/>
+                <a:alpha val="36000"/>
+              </a:schemeClr>
+            </a:gs>
+          </a:gsLst>
+          <a:lin ang="5400000" scaled="0"/>
+        </a:gradFill>
+      </a:ln>
+    </cs:spPr>
+  </cs:gridlineMinor>
+  <cs:hiLoLine>
+    <cs:lnRef idx="0"/>
+    <cs:fillRef idx="0"/>
+    <cs:effectRef idx="0"/>
+    <cs:fontRef idx="minor">
+      <a:schemeClr val="dk1"/>
+    </cs:fontRef>
+    <cs:spPr>
+      <a:ln w="9525">
+        <a:solidFill>
+          <a:schemeClr val="dk1">
+            <a:lumMod val="35000"/>
+            <a:lumOff val="65000"/>
+          </a:schemeClr>
+        </a:solidFill>
+        <a:prstDash val="dash"/>
+      </a:ln>
+    </cs:spPr>
+  </cs:hiLoLine>
+  <cs:leaderLine>
+    <cs:lnRef idx="0"/>
+    <cs:fillRef idx="0"/>
+    <cs:effectRef idx="0"/>
+    <cs:fontRef idx="minor">
+      <a:schemeClr val="dk1"/>
+    </cs:fontRef>
+    <cs:spPr>
+      <a:ln w="9525">
+        <a:solidFill>
+          <a:schemeClr val="dk1">
+            <a:lumMod val="50000"/>
+            <a:lumOff val="50000"/>
+          </a:schemeClr>
+        </a:solidFill>
+      </a:ln>
+    </cs:spPr>
+  </cs:leaderLine>
+  <cs:legend>
+    <cs:lnRef idx="0"/>
+    <cs:fillRef idx="0"/>
+    <cs:effectRef idx="0"/>
+    <cs:fontRef idx="minor">
+      <a:schemeClr val="dk1">
+        <a:lumMod val="75000"/>
+        <a:lumOff val="25000"/>
+      </a:schemeClr>
+    </cs:fontRef>
+    <cs:spPr>
+      <a:solidFill>
+        <a:schemeClr val="lt1">
+          <a:lumMod val="95000"/>
+          <a:alpha val="39000"/>
+        </a:schemeClr>
+      </a:solidFill>
+    </cs:spPr>
+    <cs:defRPr sz="1197" kern="1200"/>
+  </cs:legend>
+  <cs:plotArea>
+    <cs:lnRef idx="0"/>
+    <cs:fillRef idx="0"/>
+    <cs:effectRef idx="0"/>
+    <cs:fontRef idx="minor">
+      <a:schemeClr val="dk1"/>
+    </cs:fontRef>
+  </cs:plotArea>
+  <cs:plotArea3D>
+    <cs:lnRef idx="0"/>
+    <cs:fillRef idx="0"/>
+    <cs:effectRef idx="0"/>
+    <cs:fontRef idx="minor">
+      <a:schemeClr val="dk1"/>
+    </cs:fontRef>
+  </cs:plotArea3D>
+  <cs:seriesAxis>
+    <cs:lnRef idx="0"/>
+    <cs:fillRef idx="0"/>
+    <cs:effectRef idx="0"/>
+    <cs:fontRef idx="minor">
+      <a:schemeClr val="dk1">
+        <a:lumMod val="75000"/>
+        <a:lumOff val="25000"/>
+      </a:schemeClr>
+    </cs:fontRef>
+    <cs:spPr>
+      <a:ln w="31750" cap="flat" cmpd="sng" algn="ctr">
+        <a:solidFill>
+          <a:schemeClr val="dk1">
+            <a:lumMod val="75000"/>
+            <a:lumOff val="25000"/>
+          </a:schemeClr>
+        </a:solidFill>
+        <a:round/>
+      </a:ln>
+    </cs:spPr>
+    <cs:defRPr sz="1197" kern="1200"/>
+  </cs:seriesAxis>
+  <cs:seriesLine>
+    <cs:lnRef idx="0"/>
+    <cs:fillRef idx="0"/>
+    <cs:effectRef idx="0"/>
+    <cs:fontRef idx="minor">
+      <a:schemeClr val="dk1"/>
+    </cs:fontRef>
+    <cs:spPr>
+      <a:ln w="9525">
+        <a:solidFill>
+          <a:schemeClr val="dk1">
+            <a:lumMod val="50000"/>
+            <a:lumOff val="50000"/>
+          </a:schemeClr>
+        </a:solidFill>
+        <a:round/>
+      </a:ln>
+    </cs:spPr>
+  </cs:seriesLine>
+  <cs:title>
+    <cs:lnRef idx="0"/>
+    <cs:fillRef idx="0"/>
+    <cs:effectRef idx="0"/>
+    <cs:fontRef idx="minor">
+      <a:schemeClr val="dk1">
+        <a:lumMod val="75000"/>
+        <a:lumOff val="25000"/>
+      </a:schemeClr>
+    </cs:fontRef>
+    <cs:defRPr sz="2200" b="1" kern="1200" baseline="0"/>
+  </cs:title>
+  <cs:trendline>
+    <cs:lnRef idx="0">
+      <cs:styleClr val="auto"/>
+    </cs:lnRef>
+    <cs:fillRef idx="0"/>
+    <cs:effectRef idx="0"/>
+    <cs:fontRef idx="minor">
+      <a:schemeClr val="dk1"/>
+    </cs:fontRef>
+    <cs:spPr>
+      <a:ln w="19050" cap="rnd">
+        <a:solidFill>
+          <a:schemeClr val="phClr"/>
+        </a:solidFill>
+      </a:ln>
+    </cs:spPr>
+  </cs:trendline>
+  <cs:trendlineLabel>
+    <cs:lnRef idx="0"/>
+    <cs:fillRef idx="0"/>
+    <cs:effectRef idx="0"/>
+    <cs:fontRef idx="minor">
+      <a:schemeClr val="dk1">
+        <a:lumMod val="75000"/>
+        <a:lumOff val="25000"/>
+      </a:schemeClr>
+    </cs:fontRef>
+    <cs:defRPr sz="1197" kern="1200"/>
+  </cs:trendlineLabel>
+  <cs:upBar>
+    <cs:lnRef idx="0"/>
+    <cs:fillRef idx="0"/>
+    <cs:effectRef idx="0"/>
+    <cs:fontRef idx="minor">
+      <a:schemeClr val="dk1"/>
+    </cs:fontRef>
+    <cs:spPr>
+      <a:solidFill>
+        <a:schemeClr val="lt1"/>
+      </a:solidFill>
+      <a:ln w="9525">
+        <a:solidFill>
+          <a:schemeClr val="dk1">
+            <a:lumMod val="65000"/>
+            <a:lumOff val="35000"/>
+          </a:schemeClr>
+        </a:solidFill>
+      </a:ln>
+    </cs:spPr>
+  </cs:upBar>
+  <cs:valueAxis>
+    <cs:lnRef idx="0"/>
+    <cs:fillRef idx="0"/>
+    <cs:effectRef idx="0"/>
+    <cs:fontRef idx="minor">
+      <a:schemeClr val="dk1">
+        <a:lumMod val="75000"/>
+        <a:lumOff val="25000"/>
+      </a:schemeClr>
+    </cs:fontRef>
+    <cs:spPr>
+      <a:ln>
+        <a:noFill/>
+      </a:ln>
+    </cs:spPr>
+    <cs:defRPr sz="1197" kern="1200"/>
+  </cs:valueAxis>
+  <cs:wall>
+    <cs:lnRef idx="0"/>
+    <cs:fillRef idx="0"/>
+    <cs:effectRef idx="0"/>
+    <cs:fontRef idx="minor">
+      <a:schemeClr val="dk1"/>
+    </cs:fontRef>
+  </cs:wall>
+</cs:chartStyle>
+</file>
+
+<file path=ppt/charts/style2.xml><?xml version="1.0" encoding="utf-8"?>
 <cs:chartStyle xmlns:cs="http://schemas.microsoft.com/office/drawing/2012/chartStyle" xmlns:a="http://schemas.openxmlformats.org/drawingml/2006/main" id="264">
   <cs:axisTitle>
     <cs:lnRef idx="0"/>
@@ -26966,8 +27966,8 @@
         </p:nvSpPr>
         <p:spPr>
           <a:xfrm>
-            <a:off x="1723698" y="624109"/>
-            <a:ext cx="9780916" cy="1280891"/>
+            <a:off x="1723698" y="603789"/>
+            <a:ext cx="9780916" cy="828771"/>
           </a:xfrm>
         </p:spPr>
         <p:txBody>
@@ -26986,226 +27986,6 @@
           </a:p>
         </p:txBody>
       </p:sp>
-      <p:graphicFrame>
-        <p:nvGraphicFramePr>
-          <p:cNvPr id="4" name="Tableau 4">
-            <a:extLst>
-              <a:ext uri="{FF2B5EF4-FFF2-40B4-BE49-F238E27FC236}">
-                <a16:creationId xmlns:a16="http://schemas.microsoft.com/office/drawing/2014/main" id="{F17BE5B1-7C33-43B6-8ECC-17A4BA5242EB}"/>
-              </a:ext>
-            </a:extLst>
-          </p:cNvPr>
-          <p:cNvGraphicFramePr>
-            <a:graphicFrameLocks noGrp="1"/>
-          </p:cNvGraphicFramePr>
-          <p:nvPr>
-            <p:ph idx="1"/>
-            <p:extLst>
-              <p:ext uri="{D42A27DB-BD31-4B8C-83A1-F6EECF244321}">
-                <p14:modId xmlns:p14="http://schemas.microsoft.com/office/powerpoint/2010/main" val="4139551020"/>
-              </p:ext>
-            </p:extLst>
-          </p:nvPr>
-        </p:nvGraphicFramePr>
-        <p:xfrm>
-          <a:off x="2589213" y="2133599"/>
-          <a:ext cx="7227450" cy="2963920"/>
-        </p:xfrm>
-        <a:graphic>
-          <a:graphicData uri="http://schemas.openxmlformats.org/drawingml/2006/table">
-            <a:tbl>
-              <a:tblPr firstRow="1" bandRow="1">
-                <a:tableStyleId>{5C22544A-7EE6-4342-B048-85BDC9FD1C3A}</a:tableStyleId>
-              </a:tblPr>
-              <a:tblGrid>
-                <a:gridCol w="4473739">
-                  <a:extLst>
-                    <a:ext uri="{9D8B030D-6E8A-4147-A177-3AD203B41FA5}">
-                      <a16:colId xmlns:a16="http://schemas.microsoft.com/office/drawing/2014/main" val="2822040238"/>
-                    </a:ext>
-                  </a:extLst>
-                </a:gridCol>
-                <a:gridCol w="2753711">
-                  <a:extLst>
-                    <a:ext uri="{9D8B030D-6E8A-4147-A177-3AD203B41FA5}">
-                      <a16:colId xmlns:a16="http://schemas.microsoft.com/office/drawing/2014/main" val="1179002762"/>
-                    </a:ext>
-                  </a:extLst>
-                </a:gridCol>
-              </a:tblGrid>
-              <a:tr h="592784">
-                <a:tc>
-                  <a:txBody>
-                    <a:bodyPr/>
-                    <a:lstStyle/>
-                    <a:p>
-                      <a:r>
-                        <a:rPr lang="fr-FR" dirty="0"/>
-                        <a:t>Tâches du projet</a:t>
-                      </a:r>
-                    </a:p>
-                  </a:txBody>
-                  <a:tcPr/>
-                </a:tc>
-                <a:tc>
-                  <a:txBody>
-                    <a:bodyPr/>
-                    <a:lstStyle/>
-                    <a:p>
-                      <a:r>
-                        <a:rPr lang="fr-FR" dirty="0"/>
-                        <a:t>Etat d’avancement (%)</a:t>
-                      </a:r>
-                    </a:p>
-                  </a:txBody>
-                  <a:tcPr/>
-                </a:tc>
-                <a:extLst>
-                  <a:ext uri="{0D108BD9-81ED-4DB2-BD59-A6C34878D82A}">
-                    <a16:rowId xmlns:a16="http://schemas.microsoft.com/office/drawing/2014/main" val="514654295"/>
-                  </a:ext>
-                </a:extLst>
-              </a:tr>
-              <a:tr h="592784">
-                <a:tc>
-                  <a:txBody>
-                    <a:bodyPr/>
-                    <a:lstStyle/>
-                    <a:p>
-                      <a:r>
-                        <a:rPr lang="fr-FR" dirty="0"/>
-                        <a:t>Implémentation des règles</a:t>
-                      </a:r>
-                    </a:p>
-                  </a:txBody>
-                  <a:tcPr/>
-                </a:tc>
-                <a:tc>
-                  <a:txBody>
-                    <a:bodyPr/>
-                    <a:lstStyle/>
-                    <a:p>
-                      <a:pPr algn="ctr"/>
-                      <a:r>
-                        <a:rPr lang="fr-FR" dirty="0"/>
-                        <a:t>80 %</a:t>
-                      </a:r>
-                    </a:p>
-                  </a:txBody>
-                  <a:tcPr/>
-                </a:tc>
-                <a:extLst>
-                  <a:ext uri="{0D108BD9-81ED-4DB2-BD59-A6C34878D82A}">
-                    <a16:rowId xmlns:a16="http://schemas.microsoft.com/office/drawing/2014/main" val="2773499415"/>
-                  </a:ext>
-                </a:extLst>
-              </a:tr>
-              <a:tr h="592784">
-                <a:tc>
-                  <a:txBody>
-                    <a:bodyPr/>
-                    <a:lstStyle/>
-                    <a:p>
-                      <a:r>
-                        <a:rPr lang="fr-FR" dirty="0"/>
-                        <a:t>Interface des règles</a:t>
-                      </a:r>
-                    </a:p>
-                  </a:txBody>
-                  <a:tcPr/>
-                </a:tc>
-                <a:tc>
-                  <a:txBody>
-                    <a:bodyPr/>
-                    <a:lstStyle/>
-                    <a:p>
-                      <a:pPr algn="ctr"/>
-                      <a:r>
-                        <a:rPr lang="fr-FR" dirty="0"/>
-                        <a:t>70 %</a:t>
-                      </a:r>
-                    </a:p>
-                  </a:txBody>
-                  <a:tcPr/>
-                </a:tc>
-                <a:extLst>
-                  <a:ext uri="{0D108BD9-81ED-4DB2-BD59-A6C34878D82A}">
-                    <a16:rowId xmlns:a16="http://schemas.microsoft.com/office/drawing/2014/main" val="1787141128"/>
-                  </a:ext>
-                </a:extLst>
-              </a:tr>
-              <a:tr h="592784">
-                <a:tc>
-                  <a:txBody>
-                    <a:bodyPr/>
-                    <a:lstStyle/>
-                    <a:p>
-                      <a:r>
-                        <a:rPr lang="fr-FR" dirty="0"/>
-                        <a:t>Interface de vérification</a:t>
-                      </a:r>
-                    </a:p>
-                  </a:txBody>
-                  <a:tcPr/>
-                </a:tc>
-                <a:tc>
-                  <a:txBody>
-                    <a:bodyPr/>
-                    <a:lstStyle/>
-                    <a:p>
-                      <a:pPr algn="ctr"/>
-                      <a:r>
-                        <a:rPr lang="fr-FR" dirty="0"/>
-                        <a:t>100 %</a:t>
-                      </a:r>
-                    </a:p>
-                  </a:txBody>
-                  <a:tcPr/>
-                </a:tc>
-                <a:extLst>
-                  <a:ext uri="{0D108BD9-81ED-4DB2-BD59-A6C34878D82A}">
-                    <a16:rowId xmlns:a16="http://schemas.microsoft.com/office/drawing/2014/main" val="1521782426"/>
-                  </a:ext>
-                </a:extLst>
-              </a:tr>
-              <a:tr h="592784">
-                <a:tc>
-                  <a:txBody>
-                    <a:bodyPr/>
-                    <a:lstStyle/>
-                    <a:p>
-                      <a:r>
-                        <a:rPr lang="fr-FR" dirty="0"/>
-                        <a:t>Test unitaires</a:t>
-                      </a:r>
-                    </a:p>
-                  </a:txBody>
-                  <a:tcPr/>
-                </a:tc>
-                <a:tc>
-                  <a:txBody>
-                    <a:bodyPr/>
-                    <a:lstStyle/>
-                    <a:p>
-                      <a:pPr algn="ctr"/>
-                      <a:r>
-                        <a:rPr lang="fr-FR" dirty="0"/>
-                        <a:t>80 %</a:t>
-                      </a:r>
-                    </a:p>
-                  </a:txBody>
-                  <a:tcPr/>
-                </a:tc>
-                <a:extLst>
-                  <a:ext uri="{0D108BD9-81ED-4DB2-BD59-A6C34878D82A}">
-                    <a16:rowId xmlns:a16="http://schemas.microsoft.com/office/drawing/2014/main" val="1524892818"/>
-                  </a:ext>
-                </a:extLst>
-              </a:tr>
-            </a:tbl>
-          </a:graphicData>
-        </a:graphic>
-      </p:graphicFrame>
       <p:sp>
         <p:nvSpPr>
           <p:cNvPr id="5" name="Espace réservé du numéro de diapositive 4">
@@ -27236,6 +28016,34 @@
           </a:p>
         </p:txBody>
       </p:sp>
+      <p:graphicFrame>
+        <p:nvGraphicFramePr>
+          <p:cNvPr id="7" name="Graphique 6">
+            <a:extLst>
+              <a:ext uri="{FF2B5EF4-FFF2-40B4-BE49-F238E27FC236}">
+                <a16:creationId xmlns:a16="http://schemas.microsoft.com/office/drawing/2014/main" id="{93DFCF6F-2C45-4F13-B1EE-CC68C507A6A2}"/>
+              </a:ext>
+            </a:extLst>
+          </p:cNvPr>
+          <p:cNvGraphicFramePr/>
+          <p:nvPr>
+            <p:extLst>
+              <p:ext uri="{D42A27DB-BD31-4B8C-83A1-F6EECF244321}">
+                <p14:modId xmlns:p14="http://schemas.microsoft.com/office/powerpoint/2010/main" val="3204527376"/>
+              </p:ext>
+            </p:extLst>
+          </p:nvPr>
+        </p:nvGraphicFramePr>
+        <p:xfrm>
+          <a:off x="2420718" y="1432560"/>
+          <a:ext cx="8128000" cy="5418667"/>
+        </p:xfrm>
+        <a:graphic>
+          <a:graphicData uri="http://schemas.openxmlformats.org/drawingml/2006/chart">
+            <c:chart xmlns:c="http://schemas.openxmlformats.org/drawingml/2006/chart" xmlns:r="http://schemas.openxmlformats.org/officeDocument/2006/relationships" r:id="rId2"/>
+          </a:graphicData>
+        </a:graphic>
+      </p:graphicFrame>
     </p:spTree>
     <p:extLst>
       <p:ext uri="{BB962C8B-B14F-4D97-AF65-F5344CB8AC3E}">

--- a/doc/comité-pilotage.pptx
+++ b/doc/comité-pilotage.pptx
@@ -6,10 +6,10 @@
     <p:sldMasterId id="2147483690" r:id="rId2"/>
   </p:sldMasterIdLst>
   <p:notesMasterIdLst>
-    <p:notesMasterId r:id="rId16"/>
+    <p:notesMasterId r:id="rId19"/>
   </p:notesMasterIdLst>
   <p:handoutMasterIdLst>
-    <p:handoutMasterId r:id="rId17"/>
+    <p:handoutMasterId r:id="rId20"/>
   </p:handoutMasterIdLst>
   <p:sldIdLst>
     <p:sldId id="257" r:id="rId3"/>
@@ -21,10 +21,13 @@
     <p:sldId id="270" r:id="rId9"/>
     <p:sldId id="272" r:id="rId10"/>
     <p:sldId id="271" r:id="rId11"/>
-    <p:sldId id="264" r:id="rId12"/>
-    <p:sldId id="265" r:id="rId13"/>
-    <p:sldId id="267" r:id="rId14"/>
-    <p:sldId id="266" r:id="rId15"/>
+    <p:sldId id="274" r:id="rId12"/>
+    <p:sldId id="275" r:id="rId13"/>
+    <p:sldId id="276" r:id="rId14"/>
+    <p:sldId id="264" r:id="rId15"/>
+    <p:sldId id="265" r:id="rId16"/>
+    <p:sldId id="267" r:id="rId17"/>
+    <p:sldId id="266" r:id="rId18"/>
   </p:sldIdLst>
   <p:sldSz cx="12192000" cy="6858000"/>
   <p:notesSz cx="6858000" cy="9144000"/>
@@ -185,6 +188,11 @@
                 </a:outerShdw>
               </a:effectLst>
             </c:spPr>
+            <c:extLst>
+              <c:ext xmlns:c16="http://schemas.microsoft.com/office/drawing/2014/chart" uri="{C3380CC4-5D6E-409C-BE32-E72D297353CC}">
+                <c16:uniqueId val="{00000001-9D39-4FAA-B17D-90C7AE9A75BA}"/>
+              </c:ext>
+            </c:extLst>
           </c:dPt>
           <c:dPt>
             <c:idx val="1"/>
@@ -204,6 +212,11 @@
                 </a:outerShdw>
               </a:effectLst>
             </c:spPr>
+            <c:extLst>
+              <c:ext xmlns:c16="http://schemas.microsoft.com/office/drawing/2014/chart" uri="{C3380CC4-5D6E-409C-BE32-E72D297353CC}">
+                <c16:uniqueId val="{00000003-9D39-4FAA-B17D-90C7AE9A75BA}"/>
+              </c:ext>
+            </c:extLst>
           </c:dPt>
           <c:dPt>
             <c:idx val="2"/>
@@ -223,6 +236,11 @@
                 </a:outerShdw>
               </a:effectLst>
             </c:spPr>
+            <c:extLst>
+              <c:ext xmlns:c16="http://schemas.microsoft.com/office/drawing/2014/chart" uri="{C3380CC4-5D6E-409C-BE32-E72D297353CC}">
+                <c16:uniqueId val="{00000005-9D39-4FAA-B17D-90C7AE9A75BA}"/>
+              </c:ext>
+            </c:extLst>
           </c:dPt>
           <c:dPt>
             <c:idx val="3"/>
@@ -242,6 +260,11 @@
                 </a:outerShdw>
               </a:effectLst>
             </c:spPr>
+            <c:extLst>
+              <c:ext xmlns:c16="http://schemas.microsoft.com/office/drawing/2014/chart" uri="{C3380CC4-5D6E-409C-BE32-E72D297353CC}">
+                <c16:uniqueId val="{00000007-9D39-4FAA-B17D-90C7AE9A75BA}"/>
+              </c:ext>
+            </c:extLst>
           </c:dPt>
           <c:dPt>
             <c:idx val="4"/>
@@ -363,7 +386,7 @@
             <c:numRef>
               <c:f>Feuil1!$B$2:$B$6</c:f>
               <c:numCache>
-                <c:formatCode>General</c:formatCode>
+                <c:formatCode>Standard</c:formatCode>
                 <c:ptCount val="5"/>
                 <c:pt idx="0">
                   <c:v>1.75</c:v>
@@ -637,6 +660,26 @@
               </c:ext>
             </c:extLst>
           </c:dPt>
+          <c:dPt>
+            <c:idx val="3"/>
+            <c:bubble3D val="0"/>
+            <c:spPr>
+              <a:solidFill>
+                <a:schemeClr val="accent4"/>
+              </a:solidFill>
+              <a:ln>
+                <a:noFill/>
+              </a:ln>
+              <a:effectLst>
+                <a:outerShdw blurRad="254000" sx="102000" sy="102000" algn="ctr" rotWithShape="0">
+                  <a:prstClr val="black">
+                    <a:alpha val="20000"/>
+                  </a:prstClr>
+                </a:outerShdw>
+              </a:effectLst>
+              <a:sp3d/>
+            </c:spPr>
+          </c:dPt>
           <c:dLbls>
             <c:spPr>
               <a:noFill/>
@@ -697,9 +740,9 @@
           </c:dLbls>
           <c:cat>
             <c:strRef>
-              <c:f>Feuil1!$A$2:$A$4</c:f>
+              <c:f>Feuil1!$A$2:$A$5</c:f>
               <c:strCache>
-                <c:ptCount val="3"/>
+                <c:ptCount val="4"/>
                 <c:pt idx="0">
                   <c:v>Implémentation des régles (back et front)</c:v>
                 </c:pt>
@@ -709,23 +752,1175 @@
                 <c:pt idx="2">
                   <c:v>Test unitaires</c:v>
                 </c:pt>
+                <c:pt idx="3">
+                  <c:v>Non effectué</c:v>
+                </c:pt>
               </c:strCache>
             </c:strRef>
           </c:cat>
           <c:val>
             <c:numRef>
-              <c:f>Feuil1!$B$2:$B$4</c:f>
+              <c:f>Feuil1!$B$2:$B$5</c:f>
               <c:numCache>
-                <c:formatCode>General</c:formatCode>
-                <c:ptCount val="3"/>
+                <c:formatCode>Standard</c:formatCode>
+                <c:ptCount val="4"/>
                 <c:pt idx="0">
-                  <c:v>5.5</c:v>
+                  <c:v>0.4</c:v>
                 </c:pt>
                 <c:pt idx="1">
-                  <c:v>2</c:v>
+                  <c:v>0.2</c:v>
                 </c:pt>
                 <c:pt idx="2">
-                  <c:v>2.5</c:v>
+                  <c:v>0.2</c:v>
+                </c:pt>
+                <c:pt idx="3">
+                  <c:v>6</c:v>
+                </c:pt>
+              </c:numCache>
+            </c:numRef>
+          </c:val>
+          <c:extLst>
+            <c:ext xmlns:c16="http://schemas.microsoft.com/office/drawing/2014/chart" uri="{C3380CC4-5D6E-409C-BE32-E72D297353CC}">
+              <c16:uniqueId val="{00000000-B1A9-4D3C-8462-318178EA4C4E}"/>
+            </c:ext>
+          </c:extLst>
+        </c:ser>
+        <c:dLbls>
+          <c:dLblPos val="ctr"/>
+          <c:showLegendKey val="0"/>
+          <c:showVal val="0"/>
+          <c:showCatName val="0"/>
+          <c:showSerName val="0"/>
+          <c:showPercent val="1"/>
+          <c:showBubbleSize val="0"/>
+          <c:showLeaderLines val="1"/>
+        </c:dLbls>
+      </c:pie3DChart>
+      <c:spPr>
+        <a:noFill/>
+        <a:ln>
+          <a:noFill/>
+        </a:ln>
+        <a:effectLst/>
+      </c:spPr>
+    </c:plotArea>
+    <c:legend>
+      <c:legendPos val="r"/>
+      <c:layout>
+        <c:manualLayout>
+          <c:xMode val="edge"/>
+          <c:yMode val="edge"/>
+          <c:x val="0.73542719265595669"/>
+          <c:y val="0.32307342210341566"/>
+          <c:w val="0.24608194808982212"/>
+          <c:h val="0.49866287302322504"/>
+        </c:manualLayout>
+      </c:layout>
+      <c:overlay val="0"/>
+      <c:spPr>
+        <a:solidFill>
+          <a:schemeClr val="lt1">
+            <a:lumMod val="95000"/>
+            <a:alpha val="39000"/>
+          </a:schemeClr>
+        </a:solidFill>
+        <a:ln>
+          <a:noFill/>
+        </a:ln>
+        <a:effectLst/>
+      </c:spPr>
+      <c:txPr>
+        <a:bodyPr rot="0" spcFirstLastPara="1" vertOverflow="ellipsis" vert="horz" wrap="square" anchor="ctr" anchorCtr="1"/>
+        <a:lstStyle/>
+        <a:p>
+          <a:pPr>
+            <a:defRPr sz="1400" b="0" i="0" u="none" strike="noStrike" kern="1200" baseline="0">
+              <a:solidFill>
+                <a:schemeClr val="dk1">
+                  <a:lumMod val="75000"/>
+                  <a:lumOff val="25000"/>
+                </a:schemeClr>
+              </a:solidFill>
+              <a:latin typeface="+mn-lt"/>
+              <a:ea typeface="+mn-ea"/>
+              <a:cs typeface="+mn-cs"/>
+            </a:defRPr>
+          </a:pPr>
+          <a:endParaRPr lang="fr-FR"/>
+        </a:p>
+      </c:txPr>
+    </c:legend>
+    <c:plotVisOnly val="1"/>
+    <c:dispBlanksAs val="gap"/>
+    <c:extLst>
+      <c:ext xmlns:c16r3="http://schemas.microsoft.com/office/drawing/2017/03/chart" uri="{56B9EC1D-385E-4148-901F-78D8002777C0}">
+        <c16r3:dataDisplayOptions16>
+          <c16r3:dispNaAsBlank val="1"/>
+        </c16r3:dataDisplayOptions16>
+      </c:ext>
+    </c:extLst>
+    <c:showDLblsOverMax val="0"/>
+  </c:chart>
+  <c:spPr>
+    <a:noFill/>
+    <a:ln w="9525" cap="flat" cmpd="sng" algn="ctr">
+      <a:noFill/>
+      <a:round/>
+    </a:ln>
+    <a:effectLst/>
+  </c:spPr>
+  <c:txPr>
+    <a:bodyPr/>
+    <a:lstStyle/>
+    <a:p>
+      <a:pPr>
+        <a:defRPr/>
+      </a:pPr>
+      <a:endParaRPr lang="fr-FR"/>
+    </a:p>
+  </c:txPr>
+  <c:externalData r:id="rId3">
+    <c:autoUpdate val="0"/>
+  </c:externalData>
+</c:chartSpace>
+</file>
+
+<file path=ppt/charts/chart3.xml><?xml version="1.0" encoding="utf-8"?>
+<c:chartSpace xmlns:c="http://schemas.openxmlformats.org/drawingml/2006/chart" xmlns:a="http://schemas.openxmlformats.org/drawingml/2006/main" xmlns:r="http://schemas.openxmlformats.org/officeDocument/2006/relationships" xmlns:c16r2="http://schemas.microsoft.com/office/drawing/2015/06/chart">
+  <c:date1904 val="0"/>
+  <c:lang val="fr-FR"/>
+  <c:roundedCorners val="0"/>
+  <mc:AlternateContent xmlns:mc="http://schemas.openxmlformats.org/markup-compatibility/2006">
+    <mc:Choice xmlns:c14="http://schemas.microsoft.com/office/drawing/2007/8/2/chart" Requires="c14">
+      <c14:style val="102"/>
+    </mc:Choice>
+    <mc:Fallback>
+      <c:style val="2"/>
+    </mc:Fallback>
+  </mc:AlternateContent>
+  <c:chart>
+    <c:autoTitleDeleted val="1"/>
+    <c:view3D>
+      <c:rotX val="50"/>
+      <c:rotY val="0"/>
+      <c:depthPercent val="100"/>
+      <c:rAngAx val="0"/>
+    </c:view3D>
+    <c:floor>
+      <c:thickness val="0"/>
+      <c:spPr>
+        <a:noFill/>
+        <a:ln>
+          <a:noFill/>
+        </a:ln>
+        <a:effectLst/>
+        <a:sp3d/>
+      </c:spPr>
+    </c:floor>
+    <c:sideWall>
+      <c:thickness val="0"/>
+      <c:spPr>
+        <a:noFill/>
+        <a:ln>
+          <a:noFill/>
+        </a:ln>
+        <a:effectLst/>
+        <a:sp3d/>
+      </c:spPr>
+    </c:sideWall>
+    <c:backWall>
+      <c:thickness val="0"/>
+      <c:spPr>
+        <a:noFill/>
+        <a:ln>
+          <a:noFill/>
+        </a:ln>
+        <a:effectLst/>
+        <a:sp3d/>
+      </c:spPr>
+    </c:backWall>
+    <c:plotArea>
+      <c:layout>
+        <c:manualLayout>
+          <c:layoutTarget val="inner"/>
+          <c:xMode val="edge"/>
+          <c:yMode val="edge"/>
+          <c:x val="6.5779164871113101E-3"/>
+          <c:y val="0.25654807031201193"/>
+          <c:w val="0.98290598290598286"/>
+          <c:h val="0.74135327201746848"/>
+        </c:manualLayout>
+      </c:layout>
+      <c:pie3DChart>
+        <c:varyColors val="1"/>
+        <c:ser>
+          <c:idx val="0"/>
+          <c:order val="0"/>
+          <c:tx>
+            <c:strRef>
+              <c:f>Feuil1!$B$1</c:f>
+              <c:strCache>
+                <c:ptCount val="1"/>
+                <c:pt idx="0">
+                  <c:v>Avancement du sprint 3</c:v>
+                </c:pt>
+              </c:strCache>
+            </c:strRef>
+          </c:tx>
+          <c:dPt>
+            <c:idx val="0"/>
+            <c:bubble3D val="0"/>
+            <c:spPr>
+              <a:solidFill>
+                <a:schemeClr val="accent1"/>
+              </a:solidFill>
+              <a:ln>
+                <a:noFill/>
+              </a:ln>
+              <a:effectLst>
+                <a:outerShdw blurRad="254000" sx="102000" sy="102000" algn="ctr" rotWithShape="0">
+                  <a:prstClr val="black">
+                    <a:alpha val="20000"/>
+                  </a:prstClr>
+                </a:outerShdw>
+              </a:effectLst>
+              <a:sp3d/>
+            </c:spPr>
+            <c:extLst>
+              <c:ext xmlns:c16="http://schemas.microsoft.com/office/drawing/2014/chart" uri="{C3380CC4-5D6E-409C-BE32-E72D297353CC}">
+                <c16:uniqueId val="{00000001-3B05-478D-87C7-3A1E377CEA77}"/>
+              </c:ext>
+            </c:extLst>
+          </c:dPt>
+          <c:dPt>
+            <c:idx val="1"/>
+            <c:bubble3D val="0"/>
+            <c:spPr>
+              <a:solidFill>
+                <a:schemeClr val="accent2"/>
+              </a:solidFill>
+              <a:ln>
+                <a:noFill/>
+              </a:ln>
+              <a:effectLst>
+                <a:outerShdw blurRad="254000" sx="102000" sy="102000" algn="ctr" rotWithShape="0">
+                  <a:prstClr val="black">
+                    <a:alpha val="20000"/>
+                  </a:prstClr>
+                </a:outerShdw>
+              </a:effectLst>
+              <a:sp3d/>
+            </c:spPr>
+            <c:extLst>
+              <c:ext xmlns:c16="http://schemas.microsoft.com/office/drawing/2014/chart" uri="{C3380CC4-5D6E-409C-BE32-E72D297353CC}">
+                <c16:uniqueId val="{00000003-3B05-478D-87C7-3A1E377CEA77}"/>
+              </c:ext>
+            </c:extLst>
+          </c:dPt>
+          <c:dPt>
+            <c:idx val="2"/>
+            <c:bubble3D val="0"/>
+            <c:spPr>
+              <a:solidFill>
+                <a:schemeClr val="accent3"/>
+              </a:solidFill>
+              <a:ln>
+                <a:noFill/>
+              </a:ln>
+              <a:effectLst>
+                <a:outerShdw blurRad="254000" sx="102000" sy="102000" algn="ctr" rotWithShape="0">
+                  <a:prstClr val="black">
+                    <a:alpha val="20000"/>
+                  </a:prstClr>
+                </a:outerShdw>
+              </a:effectLst>
+              <a:sp3d/>
+            </c:spPr>
+            <c:extLst>
+              <c:ext xmlns:c16="http://schemas.microsoft.com/office/drawing/2014/chart" uri="{C3380CC4-5D6E-409C-BE32-E72D297353CC}">
+                <c16:uniqueId val="{00000002-B1A9-4D3C-8462-318178EA4C4E}"/>
+              </c:ext>
+            </c:extLst>
+          </c:dPt>
+          <c:dPt>
+            <c:idx val="3"/>
+            <c:bubble3D val="0"/>
+            <c:spPr>
+              <a:solidFill>
+                <a:schemeClr val="accent4"/>
+              </a:solidFill>
+              <a:ln>
+                <a:noFill/>
+              </a:ln>
+              <a:effectLst>
+                <a:outerShdw blurRad="254000" sx="102000" sy="102000" algn="ctr" rotWithShape="0">
+                  <a:prstClr val="black">
+                    <a:alpha val="20000"/>
+                  </a:prstClr>
+                </a:outerShdw>
+              </a:effectLst>
+              <a:sp3d/>
+            </c:spPr>
+          </c:dPt>
+          <c:dLbls>
+            <c:spPr>
+              <a:noFill/>
+              <a:ln>
+                <a:noFill/>
+              </a:ln>
+              <a:effectLst>
+                <a:outerShdw blurRad="50800" dist="38100" dir="2700000" algn="tl" rotWithShape="0">
+                  <a:prstClr val="black">
+                    <a:alpha val="40000"/>
+                  </a:prstClr>
+                </a:outerShdw>
+              </a:effectLst>
+            </c:spPr>
+            <c:txPr>
+              <a:bodyPr rot="0" spcFirstLastPara="1" vertOverflow="ellipsis" vert="horz" wrap="square" lIns="38100" tIns="19050" rIns="38100" bIns="19050" anchor="ctr" anchorCtr="1">
+                <a:spAutoFit/>
+              </a:bodyPr>
+              <a:lstStyle/>
+              <a:p>
+                <a:pPr>
+                  <a:defRPr sz="1330" b="1" i="0" u="none" strike="noStrike" kern="1200" baseline="0">
+                    <a:solidFill>
+                      <a:schemeClr val="lt1"/>
+                    </a:solidFill>
+                    <a:latin typeface="+mn-lt"/>
+                    <a:ea typeface="+mn-ea"/>
+                    <a:cs typeface="+mn-cs"/>
+                  </a:defRPr>
+                </a:pPr>
+                <a:endParaRPr lang="fr-FR"/>
+              </a:p>
+            </c:txPr>
+            <c:dLblPos val="ctr"/>
+            <c:showLegendKey val="0"/>
+            <c:showVal val="0"/>
+            <c:showCatName val="0"/>
+            <c:showSerName val="0"/>
+            <c:showPercent val="1"/>
+            <c:showBubbleSize val="0"/>
+            <c:showLeaderLines val="1"/>
+            <c:leaderLines>
+              <c:spPr>
+                <a:ln w="9525">
+                  <a:solidFill>
+                    <a:schemeClr val="dk1">
+                      <a:lumMod val="50000"/>
+                      <a:lumOff val="50000"/>
+                    </a:schemeClr>
+                  </a:solidFill>
+                </a:ln>
+                <a:effectLst/>
+              </c:spPr>
+            </c:leaderLines>
+            <c:extLst>
+              <c:ext xmlns:c15="http://schemas.microsoft.com/office/drawing/2012/chart" uri="{CE6537A1-D6FC-4f65-9D91-7224C49458BB}"/>
+            </c:extLst>
+          </c:dLbls>
+          <c:cat>
+            <c:strRef>
+              <c:f>Feuil1!$A$2:$A$5</c:f>
+              <c:strCache>
+                <c:ptCount val="4"/>
+                <c:pt idx="0">
+                  <c:v>Implémentation des régles (back et front)</c:v>
+                </c:pt>
+                <c:pt idx="1">
+                  <c:v>Vérification des régles</c:v>
+                </c:pt>
+                <c:pt idx="2">
+                  <c:v>Test unitaires</c:v>
+                </c:pt>
+                <c:pt idx="3">
+                  <c:v>Non effectué</c:v>
+                </c:pt>
+              </c:strCache>
+            </c:strRef>
+          </c:cat>
+          <c:val>
+            <c:numRef>
+              <c:f>Feuil1!$B$2:$B$5</c:f>
+              <c:numCache>
+                <c:formatCode>Standard</c:formatCode>
+                <c:ptCount val="4"/>
+                <c:pt idx="0">
+                  <c:v>1.2</c:v>
+                </c:pt>
+                <c:pt idx="1">
+                  <c:v>0.9</c:v>
+                </c:pt>
+                <c:pt idx="2">
+                  <c:v>0.7</c:v>
+                </c:pt>
+                <c:pt idx="3">
+                  <c:v>5</c:v>
+                </c:pt>
+              </c:numCache>
+            </c:numRef>
+          </c:val>
+          <c:extLst>
+            <c:ext xmlns:c16="http://schemas.microsoft.com/office/drawing/2014/chart" uri="{C3380CC4-5D6E-409C-BE32-E72D297353CC}">
+              <c16:uniqueId val="{00000000-B1A9-4D3C-8462-318178EA4C4E}"/>
+            </c:ext>
+          </c:extLst>
+        </c:ser>
+        <c:dLbls>
+          <c:dLblPos val="ctr"/>
+          <c:showLegendKey val="0"/>
+          <c:showVal val="0"/>
+          <c:showCatName val="0"/>
+          <c:showSerName val="0"/>
+          <c:showPercent val="1"/>
+          <c:showBubbleSize val="0"/>
+          <c:showLeaderLines val="1"/>
+        </c:dLbls>
+      </c:pie3DChart>
+      <c:spPr>
+        <a:noFill/>
+        <a:ln>
+          <a:noFill/>
+        </a:ln>
+        <a:effectLst/>
+      </c:spPr>
+    </c:plotArea>
+    <c:legend>
+      <c:legendPos val="r"/>
+      <c:layout>
+        <c:manualLayout>
+          <c:xMode val="edge"/>
+          <c:yMode val="edge"/>
+          <c:x val="0.73542719265595669"/>
+          <c:y val="0.32307342210341566"/>
+          <c:w val="0.24608194808982212"/>
+          <c:h val="0.49866287302322504"/>
+        </c:manualLayout>
+      </c:layout>
+      <c:overlay val="0"/>
+      <c:spPr>
+        <a:solidFill>
+          <a:schemeClr val="lt1">
+            <a:lumMod val="95000"/>
+            <a:alpha val="39000"/>
+          </a:schemeClr>
+        </a:solidFill>
+        <a:ln>
+          <a:noFill/>
+        </a:ln>
+        <a:effectLst/>
+      </c:spPr>
+      <c:txPr>
+        <a:bodyPr rot="0" spcFirstLastPara="1" vertOverflow="ellipsis" vert="horz" wrap="square" anchor="ctr" anchorCtr="1"/>
+        <a:lstStyle/>
+        <a:p>
+          <a:pPr>
+            <a:defRPr sz="1400" b="0" i="0" u="none" strike="noStrike" kern="1200" baseline="0">
+              <a:solidFill>
+                <a:schemeClr val="dk1">
+                  <a:lumMod val="75000"/>
+                  <a:lumOff val="25000"/>
+                </a:schemeClr>
+              </a:solidFill>
+              <a:latin typeface="+mn-lt"/>
+              <a:ea typeface="+mn-ea"/>
+              <a:cs typeface="+mn-cs"/>
+            </a:defRPr>
+          </a:pPr>
+          <a:endParaRPr lang="fr-FR"/>
+        </a:p>
+      </c:txPr>
+    </c:legend>
+    <c:plotVisOnly val="1"/>
+    <c:dispBlanksAs val="gap"/>
+    <c:extLst>
+      <c:ext xmlns:c16r3="http://schemas.microsoft.com/office/drawing/2017/03/chart" uri="{56B9EC1D-385E-4148-901F-78D8002777C0}">
+        <c16r3:dataDisplayOptions16>
+          <c16r3:dispNaAsBlank val="1"/>
+        </c16r3:dataDisplayOptions16>
+      </c:ext>
+    </c:extLst>
+    <c:showDLblsOverMax val="0"/>
+  </c:chart>
+  <c:spPr>
+    <a:noFill/>
+    <a:ln w="9525" cap="flat" cmpd="sng" algn="ctr">
+      <a:noFill/>
+      <a:round/>
+    </a:ln>
+    <a:effectLst/>
+  </c:spPr>
+  <c:txPr>
+    <a:bodyPr/>
+    <a:lstStyle/>
+    <a:p>
+      <a:pPr>
+        <a:defRPr/>
+      </a:pPr>
+      <a:endParaRPr lang="fr-FR"/>
+    </a:p>
+  </c:txPr>
+  <c:externalData r:id="rId3">
+    <c:autoUpdate val="0"/>
+  </c:externalData>
+</c:chartSpace>
+</file>
+
+<file path=ppt/charts/chart4.xml><?xml version="1.0" encoding="utf-8"?>
+<c:chartSpace xmlns:c="http://schemas.openxmlformats.org/drawingml/2006/chart" xmlns:a="http://schemas.openxmlformats.org/drawingml/2006/main" xmlns:r="http://schemas.openxmlformats.org/officeDocument/2006/relationships" xmlns:c16r2="http://schemas.microsoft.com/office/drawing/2015/06/chart">
+  <c:date1904 val="0"/>
+  <c:lang val="fr-FR"/>
+  <c:roundedCorners val="0"/>
+  <mc:AlternateContent xmlns:mc="http://schemas.openxmlformats.org/markup-compatibility/2006">
+    <mc:Choice xmlns:c14="http://schemas.microsoft.com/office/drawing/2007/8/2/chart" Requires="c14">
+      <c14:style val="102"/>
+    </mc:Choice>
+    <mc:Fallback>
+      <c:style val="2"/>
+    </mc:Fallback>
+  </mc:AlternateContent>
+  <c:chart>
+    <c:autoTitleDeleted val="1"/>
+    <c:view3D>
+      <c:rotX val="50"/>
+      <c:rotY val="0"/>
+      <c:depthPercent val="100"/>
+      <c:rAngAx val="0"/>
+    </c:view3D>
+    <c:floor>
+      <c:thickness val="0"/>
+      <c:spPr>
+        <a:noFill/>
+        <a:ln>
+          <a:noFill/>
+        </a:ln>
+        <a:effectLst/>
+        <a:sp3d/>
+      </c:spPr>
+    </c:floor>
+    <c:sideWall>
+      <c:thickness val="0"/>
+      <c:spPr>
+        <a:noFill/>
+        <a:ln>
+          <a:noFill/>
+        </a:ln>
+        <a:effectLst/>
+        <a:sp3d/>
+      </c:spPr>
+    </c:sideWall>
+    <c:backWall>
+      <c:thickness val="0"/>
+      <c:spPr>
+        <a:noFill/>
+        <a:ln>
+          <a:noFill/>
+        </a:ln>
+        <a:effectLst/>
+        <a:sp3d/>
+      </c:spPr>
+    </c:backWall>
+    <c:plotArea>
+      <c:layout>
+        <c:manualLayout>
+          <c:layoutTarget val="inner"/>
+          <c:xMode val="edge"/>
+          <c:yMode val="edge"/>
+          <c:x val="6.5779164871113101E-3"/>
+          <c:y val="0.25654807031201193"/>
+          <c:w val="0.98290598290598286"/>
+          <c:h val="0.74135327201746848"/>
+        </c:manualLayout>
+      </c:layout>
+      <c:pie3DChart>
+        <c:varyColors val="1"/>
+        <c:ser>
+          <c:idx val="0"/>
+          <c:order val="0"/>
+          <c:tx>
+            <c:strRef>
+              <c:f>Feuil1!$B$1</c:f>
+              <c:strCache>
+                <c:ptCount val="1"/>
+                <c:pt idx="0">
+                  <c:v>Avancement du sprint 3</c:v>
+                </c:pt>
+              </c:strCache>
+            </c:strRef>
+          </c:tx>
+          <c:dPt>
+            <c:idx val="0"/>
+            <c:bubble3D val="0"/>
+            <c:spPr>
+              <a:solidFill>
+                <a:schemeClr val="accent1"/>
+              </a:solidFill>
+              <a:ln>
+                <a:noFill/>
+              </a:ln>
+              <a:effectLst>
+                <a:outerShdw blurRad="254000" sx="102000" sy="102000" algn="ctr" rotWithShape="0">
+                  <a:prstClr val="black">
+                    <a:alpha val="20000"/>
+                  </a:prstClr>
+                </a:outerShdw>
+              </a:effectLst>
+              <a:sp3d/>
+            </c:spPr>
+            <c:extLst>
+              <c:ext xmlns:c16="http://schemas.microsoft.com/office/drawing/2014/chart" uri="{C3380CC4-5D6E-409C-BE32-E72D297353CC}">
+                <c16:uniqueId val="{00000001-3B05-478D-87C7-3A1E377CEA77}"/>
+              </c:ext>
+            </c:extLst>
+          </c:dPt>
+          <c:dPt>
+            <c:idx val="1"/>
+            <c:bubble3D val="0"/>
+            <c:spPr>
+              <a:solidFill>
+                <a:schemeClr val="accent2"/>
+              </a:solidFill>
+              <a:ln>
+                <a:noFill/>
+              </a:ln>
+              <a:effectLst>
+                <a:outerShdw blurRad="254000" sx="102000" sy="102000" algn="ctr" rotWithShape="0">
+                  <a:prstClr val="black">
+                    <a:alpha val="20000"/>
+                  </a:prstClr>
+                </a:outerShdw>
+              </a:effectLst>
+              <a:sp3d/>
+            </c:spPr>
+            <c:extLst>
+              <c:ext xmlns:c16="http://schemas.microsoft.com/office/drawing/2014/chart" uri="{C3380CC4-5D6E-409C-BE32-E72D297353CC}">
+                <c16:uniqueId val="{00000003-3B05-478D-87C7-3A1E377CEA77}"/>
+              </c:ext>
+            </c:extLst>
+          </c:dPt>
+          <c:dPt>
+            <c:idx val="2"/>
+            <c:bubble3D val="0"/>
+            <c:spPr>
+              <a:solidFill>
+                <a:schemeClr val="accent3"/>
+              </a:solidFill>
+              <a:ln>
+                <a:noFill/>
+              </a:ln>
+              <a:effectLst>
+                <a:outerShdw blurRad="254000" sx="102000" sy="102000" algn="ctr" rotWithShape="0">
+                  <a:prstClr val="black">
+                    <a:alpha val="20000"/>
+                  </a:prstClr>
+                </a:outerShdw>
+              </a:effectLst>
+              <a:sp3d/>
+            </c:spPr>
+            <c:extLst>
+              <c:ext xmlns:c16="http://schemas.microsoft.com/office/drawing/2014/chart" uri="{C3380CC4-5D6E-409C-BE32-E72D297353CC}">
+                <c16:uniqueId val="{00000002-B1A9-4D3C-8462-318178EA4C4E}"/>
+              </c:ext>
+            </c:extLst>
+          </c:dPt>
+          <c:dPt>
+            <c:idx val="3"/>
+            <c:bubble3D val="0"/>
+            <c:spPr>
+              <a:solidFill>
+                <a:schemeClr val="accent4"/>
+              </a:solidFill>
+              <a:ln>
+                <a:noFill/>
+              </a:ln>
+              <a:effectLst>
+                <a:outerShdw blurRad="254000" sx="102000" sy="102000" algn="ctr" rotWithShape="0">
+                  <a:prstClr val="black">
+                    <a:alpha val="20000"/>
+                  </a:prstClr>
+                </a:outerShdw>
+              </a:effectLst>
+              <a:sp3d/>
+            </c:spPr>
+          </c:dPt>
+          <c:dLbls>
+            <c:spPr>
+              <a:noFill/>
+              <a:ln>
+                <a:noFill/>
+              </a:ln>
+              <a:effectLst>
+                <a:outerShdw blurRad="50800" dist="38100" dir="2700000" algn="tl" rotWithShape="0">
+                  <a:prstClr val="black">
+                    <a:alpha val="40000"/>
+                  </a:prstClr>
+                </a:outerShdw>
+              </a:effectLst>
+            </c:spPr>
+            <c:txPr>
+              <a:bodyPr rot="0" spcFirstLastPara="1" vertOverflow="ellipsis" vert="horz" wrap="square" lIns="38100" tIns="19050" rIns="38100" bIns="19050" anchor="ctr" anchorCtr="1">
+                <a:spAutoFit/>
+              </a:bodyPr>
+              <a:lstStyle/>
+              <a:p>
+                <a:pPr>
+                  <a:defRPr sz="1330" b="1" i="0" u="none" strike="noStrike" kern="1200" baseline="0">
+                    <a:solidFill>
+                      <a:schemeClr val="lt1"/>
+                    </a:solidFill>
+                    <a:latin typeface="+mn-lt"/>
+                    <a:ea typeface="+mn-ea"/>
+                    <a:cs typeface="+mn-cs"/>
+                  </a:defRPr>
+                </a:pPr>
+                <a:endParaRPr lang="fr-FR"/>
+              </a:p>
+            </c:txPr>
+            <c:dLblPos val="ctr"/>
+            <c:showLegendKey val="0"/>
+            <c:showVal val="0"/>
+            <c:showCatName val="0"/>
+            <c:showSerName val="0"/>
+            <c:showPercent val="1"/>
+            <c:showBubbleSize val="0"/>
+            <c:showLeaderLines val="1"/>
+            <c:leaderLines>
+              <c:spPr>
+                <a:ln w="9525">
+                  <a:solidFill>
+                    <a:schemeClr val="dk1">
+                      <a:lumMod val="50000"/>
+                      <a:lumOff val="50000"/>
+                    </a:schemeClr>
+                  </a:solidFill>
+                </a:ln>
+                <a:effectLst/>
+              </c:spPr>
+            </c:leaderLines>
+            <c:extLst>
+              <c:ext xmlns:c15="http://schemas.microsoft.com/office/drawing/2012/chart" uri="{CE6537A1-D6FC-4f65-9D91-7224C49458BB}"/>
+            </c:extLst>
+          </c:dLbls>
+          <c:cat>
+            <c:strRef>
+              <c:f>Feuil1!$A$2:$A$5</c:f>
+              <c:strCache>
+                <c:ptCount val="4"/>
+                <c:pt idx="0">
+                  <c:v>Implémentation des régles (back et front)</c:v>
+                </c:pt>
+                <c:pt idx="1">
+                  <c:v>Vérification des régles</c:v>
+                </c:pt>
+                <c:pt idx="2">
+                  <c:v>Test unitaires</c:v>
+                </c:pt>
+                <c:pt idx="3">
+                  <c:v>Non effectué</c:v>
+                </c:pt>
+              </c:strCache>
+            </c:strRef>
+          </c:cat>
+          <c:val>
+            <c:numRef>
+              <c:f>Feuil1!$B$2:$B$5</c:f>
+              <c:numCache>
+                <c:formatCode>Standard</c:formatCode>
+                <c:ptCount val="4"/>
+                <c:pt idx="0">
+                  <c:v>0.5</c:v>
+                </c:pt>
+                <c:pt idx="1">
+                  <c:v>0.2</c:v>
+                </c:pt>
+                <c:pt idx="2">
+                  <c:v>0.2</c:v>
+                </c:pt>
+                <c:pt idx="3">
+                  <c:v>3</c:v>
+                </c:pt>
+              </c:numCache>
+            </c:numRef>
+          </c:val>
+          <c:extLst>
+            <c:ext xmlns:c16="http://schemas.microsoft.com/office/drawing/2014/chart" uri="{C3380CC4-5D6E-409C-BE32-E72D297353CC}">
+              <c16:uniqueId val="{00000000-B1A9-4D3C-8462-318178EA4C4E}"/>
+            </c:ext>
+          </c:extLst>
+        </c:ser>
+        <c:dLbls>
+          <c:dLblPos val="ctr"/>
+          <c:showLegendKey val="0"/>
+          <c:showVal val="0"/>
+          <c:showCatName val="0"/>
+          <c:showSerName val="0"/>
+          <c:showPercent val="1"/>
+          <c:showBubbleSize val="0"/>
+          <c:showLeaderLines val="1"/>
+        </c:dLbls>
+      </c:pie3DChart>
+      <c:spPr>
+        <a:noFill/>
+        <a:ln>
+          <a:noFill/>
+        </a:ln>
+        <a:effectLst/>
+      </c:spPr>
+    </c:plotArea>
+    <c:legend>
+      <c:legendPos val="r"/>
+      <c:layout>
+        <c:manualLayout>
+          <c:xMode val="edge"/>
+          <c:yMode val="edge"/>
+          <c:x val="0.73542719265595669"/>
+          <c:y val="0.32307342210341566"/>
+          <c:w val="0.24608194808982212"/>
+          <c:h val="0.49866287302322504"/>
+        </c:manualLayout>
+      </c:layout>
+      <c:overlay val="0"/>
+      <c:spPr>
+        <a:solidFill>
+          <a:schemeClr val="lt1">
+            <a:lumMod val="95000"/>
+            <a:alpha val="39000"/>
+          </a:schemeClr>
+        </a:solidFill>
+        <a:ln>
+          <a:noFill/>
+        </a:ln>
+        <a:effectLst/>
+      </c:spPr>
+      <c:txPr>
+        <a:bodyPr rot="0" spcFirstLastPara="1" vertOverflow="ellipsis" vert="horz" wrap="square" anchor="ctr" anchorCtr="1"/>
+        <a:lstStyle/>
+        <a:p>
+          <a:pPr>
+            <a:defRPr sz="1400" b="0" i="0" u="none" strike="noStrike" kern="1200" baseline="0">
+              <a:solidFill>
+                <a:schemeClr val="dk1">
+                  <a:lumMod val="75000"/>
+                  <a:lumOff val="25000"/>
+                </a:schemeClr>
+              </a:solidFill>
+              <a:latin typeface="+mn-lt"/>
+              <a:ea typeface="+mn-ea"/>
+              <a:cs typeface="+mn-cs"/>
+            </a:defRPr>
+          </a:pPr>
+          <a:endParaRPr lang="fr-FR"/>
+        </a:p>
+      </c:txPr>
+    </c:legend>
+    <c:plotVisOnly val="1"/>
+    <c:dispBlanksAs val="gap"/>
+    <c:extLst>
+      <c:ext xmlns:c16r3="http://schemas.microsoft.com/office/drawing/2017/03/chart" uri="{56B9EC1D-385E-4148-901F-78D8002777C0}">
+        <c16r3:dataDisplayOptions16>
+          <c16r3:dispNaAsBlank val="1"/>
+        </c16r3:dataDisplayOptions16>
+      </c:ext>
+    </c:extLst>
+    <c:showDLblsOverMax val="0"/>
+  </c:chart>
+  <c:spPr>
+    <a:noFill/>
+    <a:ln w="9525" cap="flat" cmpd="sng" algn="ctr">
+      <a:noFill/>
+      <a:round/>
+    </a:ln>
+    <a:effectLst/>
+  </c:spPr>
+  <c:txPr>
+    <a:bodyPr/>
+    <a:lstStyle/>
+    <a:p>
+      <a:pPr>
+        <a:defRPr/>
+      </a:pPr>
+      <a:endParaRPr lang="fr-FR"/>
+    </a:p>
+  </c:txPr>
+  <c:externalData r:id="rId3">
+    <c:autoUpdate val="0"/>
+  </c:externalData>
+</c:chartSpace>
+</file>
+
+<file path=ppt/charts/chart5.xml><?xml version="1.0" encoding="utf-8"?>
+<c:chartSpace xmlns:c="http://schemas.openxmlformats.org/drawingml/2006/chart" xmlns:a="http://schemas.openxmlformats.org/drawingml/2006/main" xmlns:r="http://schemas.openxmlformats.org/officeDocument/2006/relationships" xmlns:c16r2="http://schemas.microsoft.com/office/drawing/2015/06/chart">
+  <c:date1904 val="0"/>
+  <c:lang val="fr-FR"/>
+  <c:roundedCorners val="0"/>
+  <mc:AlternateContent xmlns:mc="http://schemas.openxmlformats.org/markup-compatibility/2006">
+    <mc:Choice xmlns:c14="http://schemas.microsoft.com/office/drawing/2007/8/2/chart" Requires="c14">
+      <c14:style val="102"/>
+    </mc:Choice>
+    <mc:Fallback>
+      <c:style val="2"/>
+    </mc:Fallback>
+  </mc:AlternateContent>
+  <c:chart>
+    <c:autoTitleDeleted val="1"/>
+    <c:view3D>
+      <c:rotX val="50"/>
+      <c:rotY val="0"/>
+      <c:depthPercent val="100"/>
+      <c:rAngAx val="0"/>
+    </c:view3D>
+    <c:floor>
+      <c:thickness val="0"/>
+      <c:spPr>
+        <a:noFill/>
+        <a:ln>
+          <a:noFill/>
+        </a:ln>
+        <a:effectLst/>
+        <a:sp3d/>
+      </c:spPr>
+    </c:floor>
+    <c:sideWall>
+      <c:thickness val="0"/>
+      <c:spPr>
+        <a:noFill/>
+        <a:ln>
+          <a:noFill/>
+        </a:ln>
+        <a:effectLst/>
+        <a:sp3d/>
+      </c:spPr>
+    </c:sideWall>
+    <c:backWall>
+      <c:thickness val="0"/>
+      <c:spPr>
+        <a:noFill/>
+        <a:ln>
+          <a:noFill/>
+        </a:ln>
+        <a:effectLst/>
+        <a:sp3d/>
+      </c:spPr>
+    </c:backWall>
+    <c:plotArea>
+      <c:layout>
+        <c:manualLayout>
+          <c:layoutTarget val="inner"/>
+          <c:xMode val="edge"/>
+          <c:yMode val="edge"/>
+          <c:x val="6.5779164871113101E-3"/>
+          <c:y val="0.25654807031201193"/>
+          <c:w val="0.98290598290598286"/>
+          <c:h val="0.74135327201746848"/>
+        </c:manualLayout>
+      </c:layout>
+      <c:pie3DChart>
+        <c:varyColors val="1"/>
+        <c:ser>
+          <c:idx val="0"/>
+          <c:order val="0"/>
+          <c:tx>
+            <c:strRef>
+              <c:f>Feuil1!$B$1</c:f>
+              <c:strCache>
+                <c:ptCount val="1"/>
+                <c:pt idx="0">
+                  <c:v>Avancement du sprint 3</c:v>
+                </c:pt>
+              </c:strCache>
+            </c:strRef>
+          </c:tx>
+          <c:dPt>
+            <c:idx val="0"/>
+            <c:bubble3D val="0"/>
+            <c:spPr>
+              <a:solidFill>
+                <a:schemeClr val="accent1"/>
+              </a:solidFill>
+              <a:ln>
+                <a:noFill/>
+              </a:ln>
+              <a:effectLst>
+                <a:outerShdw blurRad="254000" sx="102000" sy="102000" algn="ctr" rotWithShape="0">
+                  <a:prstClr val="black">
+                    <a:alpha val="20000"/>
+                  </a:prstClr>
+                </a:outerShdw>
+              </a:effectLst>
+              <a:sp3d/>
+            </c:spPr>
+            <c:extLst>
+              <c:ext xmlns:c16="http://schemas.microsoft.com/office/drawing/2014/chart" uri="{C3380CC4-5D6E-409C-BE32-E72D297353CC}">
+                <c16:uniqueId val="{00000001-3B05-478D-87C7-3A1E377CEA77}"/>
+              </c:ext>
+            </c:extLst>
+          </c:dPt>
+          <c:dPt>
+            <c:idx val="1"/>
+            <c:bubble3D val="0"/>
+            <c:spPr>
+              <a:solidFill>
+                <a:schemeClr val="accent2"/>
+              </a:solidFill>
+              <a:ln>
+                <a:noFill/>
+              </a:ln>
+              <a:effectLst>
+                <a:outerShdw blurRad="254000" sx="102000" sy="102000" algn="ctr" rotWithShape="0">
+                  <a:prstClr val="black">
+                    <a:alpha val="20000"/>
+                  </a:prstClr>
+                </a:outerShdw>
+              </a:effectLst>
+              <a:sp3d/>
+            </c:spPr>
+            <c:extLst>
+              <c:ext xmlns:c16="http://schemas.microsoft.com/office/drawing/2014/chart" uri="{C3380CC4-5D6E-409C-BE32-E72D297353CC}">
+                <c16:uniqueId val="{00000003-3B05-478D-87C7-3A1E377CEA77}"/>
+              </c:ext>
+            </c:extLst>
+          </c:dPt>
+          <c:dPt>
+            <c:idx val="2"/>
+            <c:bubble3D val="0"/>
+            <c:spPr>
+              <a:solidFill>
+                <a:schemeClr val="accent3"/>
+              </a:solidFill>
+              <a:ln>
+                <a:noFill/>
+              </a:ln>
+              <a:effectLst>
+                <a:outerShdw blurRad="254000" sx="102000" sy="102000" algn="ctr" rotWithShape="0">
+                  <a:prstClr val="black">
+                    <a:alpha val="20000"/>
+                  </a:prstClr>
+                </a:outerShdw>
+              </a:effectLst>
+              <a:sp3d/>
+            </c:spPr>
+            <c:extLst>
+              <c:ext xmlns:c16="http://schemas.microsoft.com/office/drawing/2014/chart" uri="{C3380CC4-5D6E-409C-BE32-E72D297353CC}">
+                <c16:uniqueId val="{00000002-B1A9-4D3C-8462-318178EA4C4E}"/>
+              </c:ext>
+            </c:extLst>
+          </c:dPt>
+          <c:dPt>
+            <c:idx val="3"/>
+            <c:bubble3D val="0"/>
+            <c:spPr>
+              <a:solidFill>
+                <a:schemeClr val="accent4"/>
+              </a:solidFill>
+              <a:ln>
+                <a:noFill/>
+              </a:ln>
+              <a:effectLst>
+                <a:outerShdw blurRad="254000" sx="102000" sy="102000" algn="ctr" rotWithShape="0">
+                  <a:prstClr val="black">
+                    <a:alpha val="20000"/>
+                  </a:prstClr>
+                </a:outerShdw>
+              </a:effectLst>
+              <a:sp3d/>
+            </c:spPr>
+          </c:dPt>
+          <c:dLbls>
+            <c:spPr>
+              <a:noFill/>
+              <a:ln>
+                <a:noFill/>
+              </a:ln>
+              <a:effectLst>
+                <a:outerShdw blurRad="50800" dist="38100" dir="2700000" algn="tl" rotWithShape="0">
+                  <a:prstClr val="black">
+                    <a:alpha val="40000"/>
+                  </a:prstClr>
+                </a:outerShdw>
+              </a:effectLst>
+            </c:spPr>
+            <c:txPr>
+              <a:bodyPr rot="0" spcFirstLastPara="1" vertOverflow="ellipsis" vert="horz" wrap="square" lIns="38100" tIns="19050" rIns="38100" bIns="19050" anchor="ctr" anchorCtr="1">
+                <a:spAutoFit/>
+              </a:bodyPr>
+              <a:lstStyle/>
+              <a:p>
+                <a:pPr>
+                  <a:defRPr sz="1330" b="1" i="0" u="none" strike="noStrike" kern="1200" baseline="0">
+                    <a:solidFill>
+                      <a:schemeClr val="lt1"/>
+                    </a:solidFill>
+                    <a:latin typeface="+mn-lt"/>
+                    <a:ea typeface="+mn-ea"/>
+                    <a:cs typeface="+mn-cs"/>
+                  </a:defRPr>
+                </a:pPr>
+                <a:endParaRPr lang="fr-FR"/>
+              </a:p>
+            </c:txPr>
+            <c:dLblPos val="ctr"/>
+            <c:showLegendKey val="0"/>
+            <c:showVal val="0"/>
+            <c:showCatName val="0"/>
+            <c:showSerName val="0"/>
+            <c:showPercent val="1"/>
+            <c:showBubbleSize val="0"/>
+            <c:showLeaderLines val="1"/>
+            <c:leaderLines>
+              <c:spPr>
+                <a:ln w="9525">
+                  <a:solidFill>
+                    <a:schemeClr val="dk1">
+                      <a:lumMod val="50000"/>
+                      <a:lumOff val="50000"/>
+                    </a:schemeClr>
+                  </a:solidFill>
+                </a:ln>
+                <a:effectLst/>
+              </c:spPr>
+            </c:leaderLines>
+            <c:extLst>
+              <c:ext xmlns:c15="http://schemas.microsoft.com/office/drawing/2012/chart" uri="{CE6537A1-D6FC-4f65-9D91-7224C49458BB}"/>
+            </c:extLst>
+          </c:dLbls>
+          <c:cat>
+            <c:strRef>
+              <c:f>Feuil1!$A$2:$A$5</c:f>
+              <c:strCache>
+                <c:ptCount val="4"/>
+                <c:pt idx="0">
+                  <c:v>Implémentation des régles (back et front)</c:v>
+                </c:pt>
+                <c:pt idx="1">
+                  <c:v>Vérification des régles</c:v>
+                </c:pt>
+                <c:pt idx="2">
+                  <c:v>Test unitaires</c:v>
+                </c:pt>
+                <c:pt idx="3">
+                  <c:v>Non effectué</c:v>
+                </c:pt>
+              </c:strCache>
+            </c:strRef>
+          </c:cat>
+          <c:val>
+            <c:numRef>
+              <c:f>Feuil1!$B$2:$B$5</c:f>
+              <c:numCache>
+                <c:formatCode>Standard</c:formatCode>
+                <c:ptCount val="4"/>
+                <c:pt idx="0">
+                  <c:v>0.5</c:v>
+                </c:pt>
+                <c:pt idx="1">
+                  <c:v>0.2</c:v>
+                </c:pt>
+                <c:pt idx="2">
+                  <c:v>0.2</c:v>
+                </c:pt>
+                <c:pt idx="3">
+                  <c:v>3</c:v>
                 </c:pt>
               </c:numCache>
             </c:numRef>
@@ -877,6 +2072,126 @@
 </file>
 
 <file path=ppt/charts/colors2.xml><?xml version="1.0" encoding="utf-8"?>
+<cs:colorStyle xmlns:cs="http://schemas.microsoft.com/office/drawing/2012/chartStyle" xmlns:a="http://schemas.openxmlformats.org/drawingml/2006/main" meth="cycle" id="10">
+  <a:schemeClr val="accent1"/>
+  <a:schemeClr val="accent2"/>
+  <a:schemeClr val="accent3"/>
+  <a:schemeClr val="accent4"/>
+  <a:schemeClr val="accent5"/>
+  <a:schemeClr val="accent6"/>
+  <cs:variation/>
+  <cs:variation>
+    <a:lumMod val="60000"/>
+  </cs:variation>
+  <cs:variation>
+    <a:lumMod val="80000"/>
+    <a:lumOff val="20000"/>
+  </cs:variation>
+  <cs:variation>
+    <a:lumMod val="80000"/>
+  </cs:variation>
+  <cs:variation>
+    <a:lumMod val="60000"/>
+    <a:lumOff val="40000"/>
+  </cs:variation>
+  <cs:variation>
+    <a:lumMod val="50000"/>
+  </cs:variation>
+  <cs:variation>
+    <a:lumMod val="70000"/>
+    <a:lumOff val="30000"/>
+  </cs:variation>
+  <cs:variation>
+    <a:lumMod val="70000"/>
+  </cs:variation>
+  <cs:variation>
+    <a:lumMod val="50000"/>
+    <a:lumOff val="50000"/>
+  </cs:variation>
+</cs:colorStyle>
+</file>
+
+<file path=ppt/charts/colors3.xml><?xml version="1.0" encoding="utf-8"?>
+<cs:colorStyle xmlns:cs="http://schemas.microsoft.com/office/drawing/2012/chartStyle" xmlns:a="http://schemas.openxmlformats.org/drawingml/2006/main" meth="cycle" id="10">
+  <a:schemeClr val="accent1"/>
+  <a:schemeClr val="accent2"/>
+  <a:schemeClr val="accent3"/>
+  <a:schemeClr val="accent4"/>
+  <a:schemeClr val="accent5"/>
+  <a:schemeClr val="accent6"/>
+  <cs:variation/>
+  <cs:variation>
+    <a:lumMod val="60000"/>
+  </cs:variation>
+  <cs:variation>
+    <a:lumMod val="80000"/>
+    <a:lumOff val="20000"/>
+  </cs:variation>
+  <cs:variation>
+    <a:lumMod val="80000"/>
+  </cs:variation>
+  <cs:variation>
+    <a:lumMod val="60000"/>
+    <a:lumOff val="40000"/>
+  </cs:variation>
+  <cs:variation>
+    <a:lumMod val="50000"/>
+  </cs:variation>
+  <cs:variation>
+    <a:lumMod val="70000"/>
+    <a:lumOff val="30000"/>
+  </cs:variation>
+  <cs:variation>
+    <a:lumMod val="70000"/>
+  </cs:variation>
+  <cs:variation>
+    <a:lumMod val="50000"/>
+    <a:lumOff val="50000"/>
+  </cs:variation>
+</cs:colorStyle>
+</file>
+
+<file path=ppt/charts/colors4.xml><?xml version="1.0" encoding="utf-8"?>
+<cs:colorStyle xmlns:cs="http://schemas.microsoft.com/office/drawing/2012/chartStyle" xmlns:a="http://schemas.openxmlformats.org/drawingml/2006/main" meth="cycle" id="10">
+  <a:schemeClr val="accent1"/>
+  <a:schemeClr val="accent2"/>
+  <a:schemeClr val="accent3"/>
+  <a:schemeClr val="accent4"/>
+  <a:schemeClr val="accent5"/>
+  <a:schemeClr val="accent6"/>
+  <cs:variation/>
+  <cs:variation>
+    <a:lumMod val="60000"/>
+  </cs:variation>
+  <cs:variation>
+    <a:lumMod val="80000"/>
+    <a:lumOff val="20000"/>
+  </cs:variation>
+  <cs:variation>
+    <a:lumMod val="80000"/>
+  </cs:variation>
+  <cs:variation>
+    <a:lumMod val="60000"/>
+    <a:lumOff val="40000"/>
+  </cs:variation>
+  <cs:variation>
+    <a:lumMod val="50000"/>
+  </cs:variation>
+  <cs:variation>
+    <a:lumMod val="70000"/>
+    <a:lumOff val="30000"/>
+  </cs:variation>
+  <cs:variation>
+    <a:lumMod val="70000"/>
+  </cs:variation>
+  <cs:variation>
+    <a:lumMod val="50000"/>
+    <a:lumOff val="50000"/>
+  </cs:variation>
+</cs:colorStyle>
+</file>
+
+<file path=ppt/charts/colors5.xml><?xml version="1.0" encoding="utf-8"?>
 <cs:colorStyle xmlns:cs="http://schemas.microsoft.com/office/drawing/2012/chartStyle" xmlns:a="http://schemas.openxmlformats.org/drawingml/2006/main" meth="cycle" id="10">
   <a:schemeClr val="accent1"/>
   <a:schemeClr val="accent2"/>
@@ -2118,6 +3433,1809 @@
 </cs:chartStyle>
 </file>
 
+<file path=ppt/charts/style3.xml><?xml version="1.0" encoding="utf-8"?>
+<cs:chartStyle xmlns:cs="http://schemas.microsoft.com/office/drawing/2012/chartStyle" xmlns:a="http://schemas.openxmlformats.org/drawingml/2006/main" id="264">
+  <cs:axisTitle>
+    <cs:lnRef idx="0"/>
+    <cs:fillRef idx="0"/>
+    <cs:effectRef idx="0"/>
+    <cs:fontRef idx="minor">
+      <a:schemeClr val="dk1">
+        <a:lumMod val="75000"/>
+        <a:lumOff val="25000"/>
+      </a:schemeClr>
+    </cs:fontRef>
+    <cs:defRPr sz="1197" b="1" kern="1200"/>
+  </cs:axisTitle>
+  <cs:categoryAxis>
+    <cs:lnRef idx="0"/>
+    <cs:fillRef idx="0"/>
+    <cs:effectRef idx="0"/>
+    <cs:fontRef idx="minor">
+      <a:schemeClr val="dk1">
+        <a:lumMod val="75000"/>
+        <a:lumOff val="25000"/>
+      </a:schemeClr>
+    </cs:fontRef>
+    <cs:spPr>
+      <a:ln w="19050" cap="flat" cmpd="sng" algn="ctr">
+        <a:solidFill>
+          <a:schemeClr val="dk1">
+            <a:lumMod val="75000"/>
+            <a:lumOff val="25000"/>
+          </a:schemeClr>
+        </a:solidFill>
+        <a:round/>
+      </a:ln>
+    </cs:spPr>
+    <cs:defRPr sz="1197" kern="1200" cap="all" baseline="0"/>
+  </cs:categoryAxis>
+  <cs:chartArea>
+    <cs:lnRef idx="0"/>
+    <cs:fillRef idx="0"/>
+    <cs:effectRef idx="0"/>
+    <cs:fontRef idx="minor">
+      <a:schemeClr val="dk1"/>
+    </cs:fontRef>
+    <cs:spPr>
+      <a:gradFill flip="none" rotWithShape="1">
+        <a:gsLst>
+          <a:gs pos="0">
+            <a:schemeClr val="lt1"/>
+          </a:gs>
+          <a:gs pos="39000">
+            <a:schemeClr val="lt1"/>
+          </a:gs>
+          <a:gs pos="100000">
+            <a:schemeClr val="lt1">
+              <a:lumMod val="75000"/>
+            </a:schemeClr>
+          </a:gs>
+        </a:gsLst>
+        <a:path path="circle">
+          <a:fillToRect l="50000" t="-80000" r="50000" b="180000"/>
+        </a:path>
+        <a:tileRect/>
+      </a:gradFill>
+      <a:ln w="9525" cap="flat" cmpd="sng" algn="ctr">
+        <a:solidFill>
+          <a:schemeClr val="dk1">
+            <a:lumMod val="25000"/>
+            <a:lumOff val="75000"/>
+          </a:schemeClr>
+        </a:solidFill>
+        <a:round/>
+      </a:ln>
+    </cs:spPr>
+    <cs:defRPr sz="1197" kern="1200"/>
+  </cs:chartArea>
+  <cs:dataLabel>
+    <cs:lnRef idx="0"/>
+    <cs:fillRef idx="0"/>
+    <cs:effectRef idx="0"/>
+    <cs:fontRef idx="minor">
+      <a:schemeClr val="lt1"/>
+    </cs:fontRef>
+    <cs:spPr>
+      <a:pattFill prst="pct75">
+        <a:fgClr>
+          <a:schemeClr val="dk1">
+            <a:lumMod val="75000"/>
+            <a:lumOff val="25000"/>
+          </a:schemeClr>
+        </a:fgClr>
+        <a:bgClr>
+          <a:schemeClr val="dk1">
+            <a:lumMod val="65000"/>
+            <a:lumOff val="35000"/>
+          </a:schemeClr>
+        </a:bgClr>
+      </a:pattFill>
+      <a:effectLst>
+        <a:outerShdw blurRad="50800" dist="38100" dir="2700000" algn="tl" rotWithShape="0">
+          <a:prstClr val="black">
+            <a:alpha val="40000"/>
+          </a:prstClr>
+        </a:outerShdw>
+      </a:effectLst>
+    </cs:spPr>
+    <cs:defRPr sz="1330" b="1" i="0" u="none" strike="noStrike" kern="1200" baseline="0"/>
+  </cs:dataLabel>
+  <cs:dataLabelCallout>
+    <cs:lnRef idx="0"/>
+    <cs:fillRef idx="0"/>
+    <cs:effectRef idx="0"/>
+    <cs:fontRef idx="minor">
+      <a:schemeClr val="lt1"/>
+    </cs:fontRef>
+    <cs:spPr>
+      <a:pattFill prst="pct75">
+        <a:fgClr>
+          <a:schemeClr val="dk1">
+            <a:lumMod val="75000"/>
+            <a:lumOff val="25000"/>
+          </a:schemeClr>
+        </a:fgClr>
+        <a:bgClr>
+          <a:schemeClr val="dk1">
+            <a:lumMod val="65000"/>
+            <a:lumOff val="35000"/>
+          </a:schemeClr>
+        </a:bgClr>
+      </a:pattFill>
+      <a:effectLst>
+        <a:outerShdw blurRad="50800" dist="38100" dir="2700000" algn="tl" rotWithShape="0">
+          <a:prstClr val="black">
+            <a:alpha val="40000"/>
+          </a:prstClr>
+        </a:outerShdw>
+      </a:effectLst>
+    </cs:spPr>
+    <cs:defRPr sz="1330" b="1" i="0" u="none" strike="noStrike" kern="1200" baseline="0"/>
+    <cs:bodyPr rot="0" spcFirstLastPara="1" vertOverflow="clip" horzOverflow="clip" vert="horz" wrap="square" lIns="36576" tIns="18288" rIns="36576" bIns="18288" anchor="ctr" anchorCtr="1">
+      <a:spAutoFit/>
+    </cs:bodyPr>
+  </cs:dataLabelCallout>
+  <cs:dataPoint>
+    <cs:lnRef idx="0"/>
+    <cs:fillRef idx="0">
+      <cs:styleClr val="auto"/>
+    </cs:fillRef>
+    <cs:effectRef idx="0"/>
+    <cs:fontRef idx="minor">
+      <a:schemeClr val="dk1"/>
+    </cs:fontRef>
+    <cs:spPr>
+      <a:solidFill>
+        <a:schemeClr val="phClr"/>
+      </a:solidFill>
+      <a:effectLst>
+        <a:outerShdw blurRad="254000" sx="102000" sy="102000" algn="ctr" rotWithShape="0">
+          <a:prstClr val="black">
+            <a:alpha val="20000"/>
+          </a:prstClr>
+        </a:outerShdw>
+      </a:effectLst>
+    </cs:spPr>
+  </cs:dataPoint>
+  <cs:dataPoint3D>
+    <cs:lnRef idx="0"/>
+    <cs:fillRef idx="0">
+      <cs:styleClr val="auto"/>
+    </cs:fillRef>
+    <cs:effectRef idx="0"/>
+    <cs:fontRef idx="minor">
+      <a:schemeClr val="dk1"/>
+    </cs:fontRef>
+    <cs:spPr>
+      <a:solidFill>
+        <a:schemeClr val="phClr"/>
+      </a:solidFill>
+      <a:effectLst>
+        <a:outerShdw blurRad="254000" sx="102000" sy="102000" algn="ctr" rotWithShape="0">
+          <a:prstClr val="black">
+            <a:alpha val="20000"/>
+          </a:prstClr>
+        </a:outerShdw>
+      </a:effectLst>
+    </cs:spPr>
+  </cs:dataPoint3D>
+  <cs:dataPointLine>
+    <cs:lnRef idx="0">
+      <cs:styleClr val="auto"/>
+    </cs:lnRef>
+    <cs:fillRef idx="0"/>
+    <cs:effectRef idx="0"/>
+    <cs:fontRef idx="minor">
+      <a:schemeClr val="dk1"/>
+    </cs:fontRef>
+    <cs:spPr>
+      <a:ln w="31750" cap="rnd">
+        <a:solidFill>
+          <a:schemeClr val="phClr">
+            <a:alpha val="85000"/>
+          </a:schemeClr>
+        </a:solidFill>
+        <a:round/>
+      </a:ln>
+    </cs:spPr>
+  </cs:dataPointLine>
+  <cs:dataPointMarker>
+    <cs:lnRef idx="0"/>
+    <cs:fillRef idx="0">
+      <cs:styleClr val="auto"/>
+    </cs:fillRef>
+    <cs:effectRef idx="0"/>
+    <cs:fontRef idx="minor">
+      <a:schemeClr val="dk1"/>
+    </cs:fontRef>
+    <cs:spPr>
+      <a:solidFill>
+        <a:schemeClr val="phClr">
+          <a:alpha val="85000"/>
+        </a:schemeClr>
+      </a:solidFill>
+    </cs:spPr>
+  </cs:dataPointMarker>
+  <cs:dataPointMarkerLayout symbol="circle" size="6"/>
+  <cs:dataPointWireframe>
+    <cs:lnRef idx="0">
+      <cs:styleClr val="auto"/>
+    </cs:lnRef>
+    <cs:fillRef idx="0"/>
+    <cs:effectRef idx="0"/>
+    <cs:fontRef idx="minor">
+      <a:schemeClr val="dk1"/>
+    </cs:fontRef>
+    <cs:spPr>
+      <a:ln w="9525" cap="rnd">
+        <a:solidFill>
+          <a:schemeClr val="phClr"/>
+        </a:solidFill>
+        <a:round/>
+      </a:ln>
+    </cs:spPr>
+  </cs:dataPointWireframe>
+  <cs:dataTable>
+    <cs:lnRef idx="0"/>
+    <cs:fillRef idx="0"/>
+    <cs:effectRef idx="0"/>
+    <cs:fontRef idx="minor">
+      <a:schemeClr val="dk1">
+        <a:lumMod val="75000"/>
+        <a:lumOff val="25000"/>
+      </a:schemeClr>
+    </cs:fontRef>
+    <cs:spPr>
+      <a:ln w="9525">
+        <a:solidFill>
+          <a:schemeClr val="dk1">
+            <a:lumMod val="35000"/>
+            <a:lumOff val="65000"/>
+          </a:schemeClr>
+        </a:solidFill>
+      </a:ln>
+    </cs:spPr>
+    <cs:defRPr sz="1197" kern="1200"/>
+  </cs:dataTable>
+  <cs:downBar>
+    <cs:lnRef idx="0"/>
+    <cs:fillRef idx="0"/>
+    <cs:effectRef idx="0"/>
+    <cs:fontRef idx="minor">
+      <a:schemeClr val="dk1"/>
+    </cs:fontRef>
+    <cs:spPr>
+      <a:solidFill>
+        <a:schemeClr val="dk1">
+          <a:lumMod val="50000"/>
+          <a:lumOff val="50000"/>
+        </a:schemeClr>
+      </a:solidFill>
+      <a:ln w="9525">
+        <a:solidFill>
+          <a:schemeClr val="dk1">
+            <a:lumMod val="65000"/>
+            <a:lumOff val="35000"/>
+          </a:schemeClr>
+        </a:solidFill>
+      </a:ln>
+    </cs:spPr>
+  </cs:downBar>
+  <cs:dropLine>
+    <cs:lnRef idx="0"/>
+    <cs:fillRef idx="0"/>
+    <cs:effectRef idx="0"/>
+    <cs:fontRef idx="minor">
+      <a:schemeClr val="dk1"/>
+    </cs:fontRef>
+    <cs:spPr>
+      <a:ln w="9525">
+        <a:solidFill>
+          <a:schemeClr val="dk1">
+            <a:lumMod val="35000"/>
+            <a:lumOff val="65000"/>
+          </a:schemeClr>
+        </a:solidFill>
+        <a:prstDash val="dash"/>
+      </a:ln>
+    </cs:spPr>
+  </cs:dropLine>
+  <cs:errorBar>
+    <cs:lnRef idx="0"/>
+    <cs:fillRef idx="0"/>
+    <cs:effectRef idx="0"/>
+    <cs:fontRef idx="minor">
+      <a:schemeClr val="dk1"/>
+    </cs:fontRef>
+    <cs:spPr>
+      <a:ln w="9525">
+        <a:solidFill>
+          <a:schemeClr val="dk1">
+            <a:lumMod val="65000"/>
+            <a:lumOff val="35000"/>
+          </a:schemeClr>
+        </a:solidFill>
+        <a:round/>
+      </a:ln>
+    </cs:spPr>
+  </cs:errorBar>
+  <cs:floor>
+    <cs:lnRef idx="0"/>
+    <cs:fillRef idx="0"/>
+    <cs:effectRef idx="0"/>
+    <cs:fontRef idx="minor">
+      <a:schemeClr val="dk1"/>
+    </cs:fontRef>
+  </cs:floor>
+  <cs:gridlineMajor>
+    <cs:lnRef idx="0"/>
+    <cs:fillRef idx="0"/>
+    <cs:effectRef idx="0"/>
+    <cs:fontRef idx="minor">
+      <a:schemeClr val="dk1"/>
+    </cs:fontRef>
+    <cs:spPr>
+      <a:ln w="9525" cap="flat" cmpd="sng" algn="ctr">
+        <a:gradFill>
+          <a:gsLst>
+            <a:gs pos="100000">
+              <a:schemeClr val="dk1">
+                <a:lumMod val="95000"/>
+                <a:lumOff val="5000"/>
+                <a:alpha val="42000"/>
+              </a:schemeClr>
+            </a:gs>
+            <a:gs pos="0">
+              <a:schemeClr val="lt1">
+                <a:lumMod val="75000"/>
+                <a:alpha val="36000"/>
+              </a:schemeClr>
+            </a:gs>
+          </a:gsLst>
+          <a:lin ang="5400000" scaled="0"/>
+        </a:gradFill>
+        <a:round/>
+      </a:ln>
+    </cs:spPr>
+  </cs:gridlineMajor>
+  <cs:gridlineMinor>
+    <cs:lnRef idx="0"/>
+    <cs:fillRef idx="0"/>
+    <cs:effectRef idx="0"/>
+    <cs:fontRef idx="minor">
+      <a:schemeClr val="dk1"/>
+    </cs:fontRef>
+    <cs:spPr>
+      <a:ln>
+        <a:gradFill>
+          <a:gsLst>
+            <a:gs pos="100000">
+              <a:schemeClr val="dk1">
+                <a:lumMod val="95000"/>
+                <a:lumOff val="5000"/>
+                <a:alpha val="42000"/>
+              </a:schemeClr>
+            </a:gs>
+            <a:gs pos="0">
+              <a:schemeClr val="lt1">
+                <a:lumMod val="75000"/>
+                <a:alpha val="36000"/>
+              </a:schemeClr>
+            </a:gs>
+          </a:gsLst>
+          <a:lin ang="5400000" scaled="0"/>
+        </a:gradFill>
+      </a:ln>
+    </cs:spPr>
+  </cs:gridlineMinor>
+  <cs:hiLoLine>
+    <cs:lnRef idx="0"/>
+    <cs:fillRef idx="0"/>
+    <cs:effectRef idx="0"/>
+    <cs:fontRef idx="minor">
+      <a:schemeClr val="dk1"/>
+    </cs:fontRef>
+    <cs:spPr>
+      <a:ln w="9525">
+        <a:solidFill>
+          <a:schemeClr val="dk1">
+            <a:lumMod val="35000"/>
+            <a:lumOff val="65000"/>
+          </a:schemeClr>
+        </a:solidFill>
+        <a:prstDash val="dash"/>
+      </a:ln>
+    </cs:spPr>
+  </cs:hiLoLine>
+  <cs:leaderLine>
+    <cs:lnRef idx="0"/>
+    <cs:fillRef idx="0"/>
+    <cs:effectRef idx="0"/>
+    <cs:fontRef idx="minor">
+      <a:schemeClr val="dk1"/>
+    </cs:fontRef>
+    <cs:spPr>
+      <a:ln w="9525">
+        <a:solidFill>
+          <a:schemeClr val="dk1">
+            <a:lumMod val="50000"/>
+            <a:lumOff val="50000"/>
+          </a:schemeClr>
+        </a:solidFill>
+      </a:ln>
+    </cs:spPr>
+  </cs:leaderLine>
+  <cs:legend>
+    <cs:lnRef idx="0"/>
+    <cs:fillRef idx="0"/>
+    <cs:effectRef idx="0"/>
+    <cs:fontRef idx="minor">
+      <a:schemeClr val="dk1">
+        <a:lumMod val="75000"/>
+        <a:lumOff val="25000"/>
+      </a:schemeClr>
+    </cs:fontRef>
+    <cs:spPr>
+      <a:solidFill>
+        <a:schemeClr val="lt1">
+          <a:lumMod val="95000"/>
+          <a:alpha val="39000"/>
+        </a:schemeClr>
+      </a:solidFill>
+    </cs:spPr>
+    <cs:defRPr sz="1197" kern="1200"/>
+  </cs:legend>
+  <cs:plotArea>
+    <cs:lnRef idx="0"/>
+    <cs:fillRef idx="0"/>
+    <cs:effectRef idx="0"/>
+    <cs:fontRef idx="minor">
+      <a:schemeClr val="dk1"/>
+    </cs:fontRef>
+  </cs:plotArea>
+  <cs:plotArea3D>
+    <cs:lnRef idx="0"/>
+    <cs:fillRef idx="0"/>
+    <cs:effectRef idx="0"/>
+    <cs:fontRef idx="minor">
+      <a:schemeClr val="dk1"/>
+    </cs:fontRef>
+  </cs:plotArea3D>
+  <cs:seriesAxis>
+    <cs:lnRef idx="0"/>
+    <cs:fillRef idx="0"/>
+    <cs:effectRef idx="0"/>
+    <cs:fontRef idx="minor">
+      <a:schemeClr val="dk1">
+        <a:lumMod val="75000"/>
+        <a:lumOff val="25000"/>
+      </a:schemeClr>
+    </cs:fontRef>
+    <cs:spPr>
+      <a:ln w="31750" cap="flat" cmpd="sng" algn="ctr">
+        <a:solidFill>
+          <a:schemeClr val="dk1">
+            <a:lumMod val="75000"/>
+            <a:lumOff val="25000"/>
+          </a:schemeClr>
+        </a:solidFill>
+        <a:round/>
+      </a:ln>
+    </cs:spPr>
+    <cs:defRPr sz="1197" kern="1200"/>
+  </cs:seriesAxis>
+  <cs:seriesLine>
+    <cs:lnRef idx="0"/>
+    <cs:fillRef idx="0"/>
+    <cs:effectRef idx="0"/>
+    <cs:fontRef idx="minor">
+      <a:schemeClr val="dk1"/>
+    </cs:fontRef>
+    <cs:spPr>
+      <a:ln w="9525">
+        <a:solidFill>
+          <a:schemeClr val="dk1">
+            <a:lumMod val="50000"/>
+            <a:lumOff val="50000"/>
+          </a:schemeClr>
+        </a:solidFill>
+        <a:round/>
+      </a:ln>
+    </cs:spPr>
+  </cs:seriesLine>
+  <cs:title>
+    <cs:lnRef idx="0"/>
+    <cs:fillRef idx="0"/>
+    <cs:effectRef idx="0"/>
+    <cs:fontRef idx="minor">
+      <a:schemeClr val="dk1">
+        <a:lumMod val="75000"/>
+        <a:lumOff val="25000"/>
+      </a:schemeClr>
+    </cs:fontRef>
+    <cs:defRPr sz="2200" b="1" kern="1200" baseline="0"/>
+  </cs:title>
+  <cs:trendline>
+    <cs:lnRef idx="0">
+      <cs:styleClr val="auto"/>
+    </cs:lnRef>
+    <cs:fillRef idx="0"/>
+    <cs:effectRef idx="0"/>
+    <cs:fontRef idx="minor">
+      <a:schemeClr val="dk1"/>
+    </cs:fontRef>
+    <cs:spPr>
+      <a:ln w="19050" cap="rnd">
+        <a:solidFill>
+          <a:schemeClr val="phClr"/>
+        </a:solidFill>
+      </a:ln>
+    </cs:spPr>
+  </cs:trendline>
+  <cs:trendlineLabel>
+    <cs:lnRef idx="0"/>
+    <cs:fillRef idx="0"/>
+    <cs:effectRef idx="0"/>
+    <cs:fontRef idx="minor">
+      <a:schemeClr val="dk1">
+        <a:lumMod val="75000"/>
+        <a:lumOff val="25000"/>
+      </a:schemeClr>
+    </cs:fontRef>
+    <cs:defRPr sz="1197" kern="1200"/>
+  </cs:trendlineLabel>
+  <cs:upBar>
+    <cs:lnRef idx="0"/>
+    <cs:fillRef idx="0"/>
+    <cs:effectRef idx="0"/>
+    <cs:fontRef idx="minor">
+      <a:schemeClr val="dk1"/>
+    </cs:fontRef>
+    <cs:spPr>
+      <a:solidFill>
+        <a:schemeClr val="lt1"/>
+      </a:solidFill>
+      <a:ln w="9525">
+        <a:solidFill>
+          <a:schemeClr val="dk1">
+            <a:lumMod val="65000"/>
+            <a:lumOff val="35000"/>
+          </a:schemeClr>
+        </a:solidFill>
+      </a:ln>
+    </cs:spPr>
+  </cs:upBar>
+  <cs:valueAxis>
+    <cs:lnRef idx="0"/>
+    <cs:fillRef idx="0"/>
+    <cs:effectRef idx="0"/>
+    <cs:fontRef idx="minor">
+      <a:schemeClr val="dk1">
+        <a:lumMod val="75000"/>
+        <a:lumOff val="25000"/>
+      </a:schemeClr>
+    </cs:fontRef>
+    <cs:spPr>
+      <a:ln>
+        <a:noFill/>
+      </a:ln>
+    </cs:spPr>
+    <cs:defRPr sz="1197" kern="1200"/>
+  </cs:valueAxis>
+  <cs:wall>
+    <cs:lnRef idx="0"/>
+    <cs:fillRef idx="0"/>
+    <cs:effectRef idx="0"/>
+    <cs:fontRef idx="minor">
+      <a:schemeClr val="dk1"/>
+    </cs:fontRef>
+  </cs:wall>
+</cs:chartStyle>
+</file>
+
+<file path=ppt/charts/style4.xml><?xml version="1.0" encoding="utf-8"?>
+<cs:chartStyle xmlns:cs="http://schemas.microsoft.com/office/drawing/2012/chartStyle" xmlns:a="http://schemas.openxmlformats.org/drawingml/2006/main" id="264">
+  <cs:axisTitle>
+    <cs:lnRef idx="0"/>
+    <cs:fillRef idx="0"/>
+    <cs:effectRef idx="0"/>
+    <cs:fontRef idx="minor">
+      <a:schemeClr val="dk1">
+        <a:lumMod val="75000"/>
+        <a:lumOff val="25000"/>
+      </a:schemeClr>
+    </cs:fontRef>
+    <cs:defRPr sz="1197" b="1" kern="1200"/>
+  </cs:axisTitle>
+  <cs:categoryAxis>
+    <cs:lnRef idx="0"/>
+    <cs:fillRef idx="0"/>
+    <cs:effectRef idx="0"/>
+    <cs:fontRef idx="minor">
+      <a:schemeClr val="dk1">
+        <a:lumMod val="75000"/>
+        <a:lumOff val="25000"/>
+      </a:schemeClr>
+    </cs:fontRef>
+    <cs:spPr>
+      <a:ln w="19050" cap="flat" cmpd="sng" algn="ctr">
+        <a:solidFill>
+          <a:schemeClr val="dk1">
+            <a:lumMod val="75000"/>
+            <a:lumOff val="25000"/>
+          </a:schemeClr>
+        </a:solidFill>
+        <a:round/>
+      </a:ln>
+    </cs:spPr>
+    <cs:defRPr sz="1197" kern="1200" cap="all" baseline="0"/>
+  </cs:categoryAxis>
+  <cs:chartArea>
+    <cs:lnRef idx="0"/>
+    <cs:fillRef idx="0"/>
+    <cs:effectRef idx="0"/>
+    <cs:fontRef idx="minor">
+      <a:schemeClr val="dk1"/>
+    </cs:fontRef>
+    <cs:spPr>
+      <a:gradFill flip="none" rotWithShape="1">
+        <a:gsLst>
+          <a:gs pos="0">
+            <a:schemeClr val="lt1"/>
+          </a:gs>
+          <a:gs pos="39000">
+            <a:schemeClr val="lt1"/>
+          </a:gs>
+          <a:gs pos="100000">
+            <a:schemeClr val="lt1">
+              <a:lumMod val="75000"/>
+            </a:schemeClr>
+          </a:gs>
+        </a:gsLst>
+        <a:path path="circle">
+          <a:fillToRect l="50000" t="-80000" r="50000" b="180000"/>
+        </a:path>
+        <a:tileRect/>
+      </a:gradFill>
+      <a:ln w="9525" cap="flat" cmpd="sng" algn="ctr">
+        <a:solidFill>
+          <a:schemeClr val="dk1">
+            <a:lumMod val="25000"/>
+            <a:lumOff val="75000"/>
+          </a:schemeClr>
+        </a:solidFill>
+        <a:round/>
+      </a:ln>
+    </cs:spPr>
+    <cs:defRPr sz="1197" kern="1200"/>
+  </cs:chartArea>
+  <cs:dataLabel>
+    <cs:lnRef idx="0"/>
+    <cs:fillRef idx="0"/>
+    <cs:effectRef idx="0"/>
+    <cs:fontRef idx="minor">
+      <a:schemeClr val="lt1"/>
+    </cs:fontRef>
+    <cs:spPr>
+      <a:pattFill prst="pct75">
+        <a:fgClr>
+          <a:schemeClr val="dk1">
+            <a:lumMod val="75000"/>
+            <a:lumOff val="25000"/>
+          </a:schemeClr>
+        </a:fgClr>
+        <a:bgClr>
+          <a:schemeClr val="dk1">
+            <a:lumMod val="65000"/>
+            <a:lumOff val="35000"/>
+          </a:schemeClr>
+        </a:bgClr>
+      </a:pattFill>
+      <a:effectLst>
+        <a:outerShdw blurRad="50800" dist="38100" dir="2700000" algn="tl" rotWithShape="0">
+          <a:prstClr val="black">
+            <a:alpha val="40000"/>
+          </a:prstClr>
+        </a:outerShdw>
+      </a:effectLst>
+    </cs:spPr>
+    <cs:defRPr sz="1330" b="1" i="0" u="none" strike="noStrike" kern="1200" baseline="0"/>
+  </cs:dataLabel>
+  <cs:dataLabelCallout>
+    <cs:lnRef idx="0"/>
+    <cs:fillRef idx="0"/>
+    <cs:effectRef idx="0"/>
+    <cs:fontRef idx="minor">
+      <a:schemeClr val="lt1"/>
+    </cs:fontRef>
+    <cs:spPr>
+      <a:pattFill prst="pct75">
+        <a:fgClr>
+          <a:schemeClr val="dk1">
+            <a:lumMod val="75000"/>
+            <a:lumOff val="25000"/>
+          </a:schemeClr>
+        </a:fgClr>
+        <a:bgClr>
+          <a:schemeClr val="dk1">
+            <a:lumMod val="65000"/>
+            <a:lumOff val="35000"/>
+          </a:schemeClr>
+        </a:bgClr>
+      </a:pattFill>
+      <a:effectLst>
+        <a:outerShdw blurRad="50800" dist="38100" dir="2700000" algn="tl" rotWithShape="0">
+          <a:prstClr val="black">
+            <a:alpha val="40000"/>
+          </a:prstClr>
+        </a:outerShdw>
+      </a:effectLst>
+    </cs:spPr>
+    <cs:defRPr sz="1330" b="1" i="0" u="none" strike="noStrike" kern="1200" baseline="0"/>
+    <cs:bodyPr rot="0" spcFirstLastPara="1" vertOverflow="clip" horzOverflow="clip" vert="horz" wrap="square" lIns="36576" tIns="18288" rIns="36576" bIns="18288" anchor="ctr" anchorCtr="1">
+      <a:spAutoFit/>
+    </cs:bodyPr>
+  </cs:dataLabelCallout>
+  <cs:dataPoint>
+    <cs:lnRef idx="0"/>
+    <cs:fillRef idx="0">
+      <cs:styleClr val="auto"/>
+    </cs:fillRef>
+    <cs:effectRef idx="0"/>
+    <cs:fontRef idx="minor">
+      <a:schemeClr val="dk1"/>
+    </cs:fontRef>
+    <cs:spPr>
+      <a:solidFill>
+        <a:schemeClr val="phClr"/>
+      </a:solidFill>
+      <a:effectLst>
+        <a:outerShdw blurRad="254000" sx="102000" sy="102000" algn="ctr" rotWithShape="0">
+          <a:prstClr val="black">
+            <a:alpha val="20000"/>
+          </a:prstClr>
+        </a:outerShdw>
+      </a:effectLst>
+    </cs:spPr>
+  </cs:dataPoint>
+  <cs:dataPoint3D>
+    <cs:lnRef idx="0"/>
+    <cs:fillRef idx="0">
+      <cs:styleClr val="auto"/>
+    </cs:fillRef>
+    <cs:effectRef idx="0"/>
+    <cs:fontRef idx="minor">
+      <a:schemeClr val="dk1"/>
+    </cs:fontRef>
+    <cs:spPr>
+      <a:solidFill>
+        <a:schemeClr val="phClr"/>
+      </a:solidFill>
+      <a:effectLst>
+        <a:outerShdw blurRad="254000" sx="102000" sy="102000" algn="ctr" rotWithShape="0">
+          <a:prstClr val="black">
+            <a:alpha val="20000"/>
+          </a:prstClr>
+        </a:outerShdw>
+      </a:effectLst>
+    </cs:spPr>
+  </cs:dataPoint3D>
+  <cs:dataPointLine>
+    <cs:lnRef idx="0">
+      <cs:styleClr val="auto"/>
+    </cs:lnRef>
+    <cs:fillRef idx="0"/>
+    <cs:effectRef idx="0"/>
+    <cs:fontRef idx="minor">
+      <a:schemeClr val="dk1"/>
+    </cs:fontRef>
+    <cs:spPr>
+      <a:ln w="31750" cap="rnd">
+        <a:solidFill>
+          <a:schemeClr val="phClr">
+            <a:alpha val="85000"/>
+          </a:schemeClr>
+        </a:solidFill>
+        <a:round/>
+      </a:ln>
+    </cs:spPr>
+  </cs:dataPointLine>
+  <cs:dataPointMarker>
+    <cs:lnRef idx="0"/>
+    <cs:fillRef idx="0">
+      <cs:styleClr val="auto"/>
+    </cs:fillRef>
+    <cs:effectRef idx="0"/>
+    <cs:fontRef idx="minor">
+      <a:schemeClr val="dk1"/>
+    </cs:fontRef>
+    <cs:spPr>
+      <a:solidFill>
+        <a:schemeClr val="phClr">
+          <a:alpha val="85000"/>
+        </a:schemeClr>
+      </a:solidFill>
+    </cs:spPr>
+  </cs:dataPointMarker>
+  <cs:dataPointMarkerLayout symbol="circle" size="6"/>
+  <cs:dataPointWireframe>
+    <cs:lnRef idx="0">
+      <cs:styleClr val="auto"/>
+    </cs:lnRef>
+    <cs:fillRef idx="0"/>
+    <cs:effectRef idx="0"/>
+    <cs:fontRef idx="minor">
+      <a:schemeClr val="dk1"/>
+    </cs:fontRef>
+    <cs:spPr>
+      <a:ln w="9525" cap="rnd">
+        <a:solidFill>
+          <a:schemeClr val="phClr"/>
+        </a:solidFill>
+        <a:round/>
+      </a:ln>
+    </cs:spPr>
+  </cs:dataPointWireframe>
+  <cs:dataTable>
+    <cs:lnRef idx="0"/>
+    <cs:fillRef idx="0"/>
+    <cs:effectRef idx="0"/>
+    <cs:fontRef idx="minor">
+      <a:schemeClr val="dk1">
+        <a:lumMod val="75000"/>
+        <a:lumOff val="25000"/>
+      </a:schemeClr>
+    </cs:fontRef>
+    <cs:spPr>
+      <a:ln w="9525">
+        <a:solidFill>
+          <a:schemeClr val="dk1">
+            <a:lumMod val="35000"/>
+            <a:lumOff val="65000"/>
+          </a:schemeClr>
+        </a:solidFill>
+      </a:ln>
+    </cs:spPr>
+    <cs:defRPr sz="1197" kern="1200"/>
+  </cs:dataTable>
+  <cs:downBar>
+    <cs:lnRef idx="0"/>
+    <cs:fillRef idx="0"/>
+    <cs:effectRef idx="0"/>
+    <cs:fontRef idx="minor">
+      <a:schemeClr val="dk1"/>
+    </cs:fontRef>
+    <cs:spPr>
+      <a:solidFill>
+        <a:schemeClr val="dk1">
+          <a:lumMod val="50000"/>
+          <a:lumOff val="50000"/>
+        </a:schemeClr>
+      </a:solidFill>
+      <a:ln w="9525">
+        <a:solidFill>
+          <a:schemeClr val="dk1">
+            <a:lumMod val="65000"/>
+            <a:lumOff val="35000"/>
+          </a:schemeClr>
+        </a:solidFill>
+      </a:ln>
+    </cs:spPr>
+  </cs:downBar>
+  <cs:dropLine>
+    <cs:lnRef idx="0"/>
+    <cs:fillRef idx="0"/>
+    <cs:effectRef idx="0"/>
+    <cs:fontRef idx="minor">
+      <a:schemeClr val="dk1"/>
+    </cs:fontRef>
+    <cs:spPr>
+      <a:ln w="9525">
+        <a:solidFill>
+          <a:schemeClr val="dk1">
+            <a:lumMod val="35000"/>
+            <a:lumOff val="65000"/>
+          </a:schemeClr>
+        </a:solidFill>
+        <a:prstDash val="dash"/>
+      </a:ln>
+    </cs:spPr>
+  </cs:dropLine>
+  <cs:errorBar>
+    <cs:lnRef idx="0"/>
+    <cs:fillRef idx="0"/>
+    <cs:effectRef idx="0"/>
+    <cs:fontRef idx="minor">
+      <a:schemeClr val="dk1"/>
+    </cs:fontRef>
+    <cs:spPr>
+      <a:ln w="9525">
+        <a:solidFill>
+          <a:schemeClr val="dk1">
+            <a:lumMod val="65000"/>
+            <a:lumOff val="35000"/>
+          </a:schemeClr>
+        </a:solidFill>
+        <a:round/>
+      </a:ln>
+    </cs:spPr>
+  </cs:errorBar>
+  <cs:floor>
+    <cs:lnRef idx="0"/>
+    <cs:fillRef idx="0"/>
+    <cs:effectRef idx="0"/>
+    <cs:fontRef idx="minor">
+      <a:schemeClr val="dk1"/>
+    </cs:fontRef>
+  </cs:floor>
+  <cs:gridlineMajor>
+    <cs:lnRef idx="0"/>
+    <cs:fillRef idx="0"/>
+    <cs:effectRef idx="0"/>
+    <cs:fontRef idx="minor">
+      <a:schemeClr val="dk1"/>
+    </cs:fontRef>
+    <cs:spPr>
+      <a:ln w="9525" cap="flat" cmpd="sng" algn="ctr">
+        <a:gradFill>
+          <a:gsLst>
+            <a:gs pos="100000">
+              <a:schemeClr val="dk1">
+                <a:lumMod val="95000"/>
+                <a:lumOff val="5000"/>
+                <a:alpha val="42000"/>
+              </a:schemeClr>
+            </a:gs>
+            <a:gs pos="0">
+              <a:schemeClr val="lt1">
+                <a:lumMod val="75000"/>
+                <a:alpha val="36000"/>
+              </a:schemeClr>
+            </a:gs>
+          </a:gsLst>
+          <a:lin ang="5400000" scaled="0"/>
+        </a:gradFill>
+        <a:round/>
+      </a:ln>
+    </cs:spPr>
+  </cs:gridlineMajor>
+  <cs:gridlineMinor>
+    <cs:lnRef idx="0"/>
+    <cs:fillRef idx="0"/>
+    <cs:effectRef idx="0"/>
+    <cs:fontRef idx="minor">
+      <a:schemeClr val="dk1"/>
+    </cs:fontRef>
+    <cs:spPr>
+      <a:ln>
+        <a:gradFill>
+          <a:gsLst>
+            <a:gs pos="100000">
+              <a:schemeClr val="dk1">
+                <a:lumMod val="95000"/>
+                <a:lumOff val="5000"/>
+                <a:alpha val="42000"/>
+              </a:schemeClr>
+            </a:gs>
+            <a:gs pos="0">
+              <a:schemeClr val="lt1">
+                <a:lumMod val="75000"/>
+                <a:alpha val="36000"/>
+              </a:schemeClr>
+            </a:gs>
+          </a:gsLst>
+          <a:lin ang="5400000" scaled="0"/>
+        </a:gradFill>
+      </a:ln>
+    </cs:spPr>
+  </cs:gridlineMinor>
+  <cs:hiLoLine>
+    <cs:lnRef idx="0"/>
+    <cs:fillRef idx="0"/>
+    <cs:effectRef idx="0"/>
+    <cs:fontRef idx="minor">
+      <a:schemeClr val="dk1"/>
+    </cs:fontRef>
+    <cs:spPr>
+      <a:ln w="9525">
+        <a:solidFill>
+          <a:schemeClr val="dk1">
+            <a:lumMod val="35000"/>
+            <a:lumOff val="65000"/>
+          </a:schemeClr>
+        </a:solidFill>
+        <a:prstDash val="dash"/>
+      </a:ln>
+    </cs:spPr>
+  </cs:hiLoLine>
+  <cs:leaderLine>
+    <cs:lnRef idx="0"/>
+    <cs:fillRef idx="0"/>
+    <cs:effectRef idx="0"/>
+    <cs:fontRef idx="minor">
+      <a:schemeClr val="dk1"/>
+    </cs:fontRef>
+    <cs:spPr>
+      <a:ln w="9525">
+        <a:solidFill>
+          <a:schemeClr val="dk1">
+            <a:lumMod val="50000"/>
+            <a:lumOff val="50000"/>
+          </a:schemeClr>
+        </a:solidFill>
+      </a:ln>
+    </cs:spPr>
+  </cs:leaderLine>
+  <cs:legend>
+    <cs:lnRef idx="0"/>
+    <cs:fillRef idx="0"/>
+    <cs:effectRef idx="0"/>
+    <cs:fontRef idx="minor">
+      <a:schemeClr val="dk1">
+        <a:lumMod val="75000"/>
+        <a:lumOff val="25000"/>
+      </a:schemeClr>
+    </cs:fontRef>
+    <cs:spPr>
+      <a:solidFill>
+        <a:schemeClr val="lt1">
+          <a:lumMod val="95000"/>
+          <a:alpha val="39000"/>
+        </a:schemeClr>
+      </a:solidFill>
+    </cs:spPr>
+    <cs:defRPr sz="1197" kern="1200"/>
+  </cs:legend>
+  <cs:plotArea>
+    <cs:lnRef idx="0"/>
+    <cs:fillRef idx="0"/>
+    <cs:effectRef idx="0"/>
+    <cs:fontRef idx="minor">
+      <a:schemeClr val="dk1"/>
+    </cs:fontRef>
+  </cs:plotArea>
+  <cs:plotArea3D>
+    <cs:lnRef idx="0"/>
+    <cs:fillRef idx="0"/>
+    <cs:effectRef idx="0"/>
+    <cs:fontRef idx="minor">
+      <a:schemeClr val="dk1"/>
+    </cs:fontRef>
+  </cs:plotArea3D>
+  <cs:seriesAxis>
+    <cs:lnRef idx="0"/>
+    <cs:fillRef idx="0"/>
+    <cs:effectRef idx="0"/>
+    <cs:fontRef idx="minor">
+      <a:schemeClr val="dk1">
+        <a:lumMod val="75000"/>
+        <a:lumOff val="25000"/>
+      </a:schemeClr>
+    </cs:fontRef>
+    <cs:spPr>
+      <a:ln w="31750" cap="flat" cmpd="sng" algn="ctr">
+        <a:solidFill>
+          <a:schemeClr val="dk1">
+            <a:lumMod val="75000"/>
+            <a:lumOff val="25000"/>
+          </a:schemeClr>
+        </a:solidFill>
+        <a:round/>
+      </a:ln>
+    </cs:spPr>
+    <cs:defRPr sz="1197" kern="1200"/>
+  </cs:seriesAxis>
+  <cs:seriesLine>
+    <cs:lnRef idx="0"/>
+    <cs:fillRef idx="0"/>
+    <cs:effectRef idx="0"/>
+    <cs:fontRef idx="minor">
+      <a:schemeClr val="dk1"/>
+    </cs:fontRef>
+    <cs:spPr>
+      <a:ln w="9525">
+        <a:solidFill>
+          <a:schemeClr val="dk1">
+            <a:lumMod val="50000"/>
+            <a:lumOff val="50000"/>
+          </a:schemeClr>
+        </a:solidFill>
+        <a:round/>
+      </a:ln>
+    </cs:spPr>
+  </cs:seriesLine>
+  <cs:title>
+    <cs:lnRef idx="0"/>
+    <cs:fillRef idx="0"/>
+    <cs:effectRef idx="0"/>
+    <cs:fontRef idx="minor">
+      <a:schemeClr val="dk1">
+        <a:lumMod val="75000"/>
+        <a:lumOff val="25000"/>
+      </a:schemeClr>
+    </cs:fontRef>
+    <cs:defRPr sz="2200" b="1" kern="1200" baseline="0"/>
+  </cs:title>
+  <cs:trendline>
+    <cs:lnRef idx="0">
+      <cs:styleClr val="auto"/>
+    </cs:lnRef>
+    <cs:fillRef idx="0"/>
+    <cs:effectRef idx="0"/>
+    <cs:fontRef idx="minor">
+      <a:schemeClr val="dk1"/>
+    </cs:fontRef>
+    <cs:spPr>
+      <a:ln w="19050" cap="rnd">
+        <a:solidFill>
+          <a:schemeClr val="phClr"/>
+        </a:solidFill>
+      </a:ln>
+    </cs:spPr>
+  </cs:trendline>
+  <cs:trendlineLabel>
+    <cs:lnRef idx="0"/>
+    <cs:fillRef idx="0"/>
+    <cs:effectRef idx="0"/>
+    <cs:fontRef idx="minor">
+      <a:schemeClr val="dk1">
+        <a:lumMod val="75000"/>
+        <a:lumOff val="25000"/>
+      </a:schemeClr>
+    </cs:fontRef>
+    <cs:defRPr sz="1197" kern="1200"/>
+  </cs:trendlineLabel>
+  <cs:upBar>
+    <cs:lnRef idx="0"/>
+    <cs:fillRef idx="0"/>
+    <cs:effectRef idx="0"/>
+    <cs:fontRef idx="minor">
+      <a:schemeClr val="dk1"/>
+    </cs:fontRef>
+    <cs:spPr>
+      <a:solidFill>
+        <a:schemeClr val="lt1"/>
+      </a:solidFill>
+      <a:ln w="9525">
+        <a:solidFill>
+          <a:schemeClr val="dk1">
+            <a:lumMod val="65000"/>
+            <a:lumOff val="35000"/>
+          </a:schemeClr>
+        </a:solidFill>
+      </a:ln>
+    </cs:spPr>
+  </cs:upBar>
+  <cs:valueAxis>
+    <cs:lnRef idx="0"/>
+    <cs:fillRef idx="0"/>
+    <cs:effectRef idx="0"/>
+    <cs:fontRef idx="minor">
+      <a:schemeClr val="dk1">
+        <a:lumMod val="75000"/>
+        <a:lumOff val="25000"/>
+      </a:schemeClr>
+    </cs:fontRef>
+    <cs:spPr>
+      <a:ln>
+        <a:noFill/>
+      </a:ln>
+    </cs:spPr>
+    <cs:defRPr sz="1197" kern="1200"/>
+  </cs:valueAxis>
+  <cs:wall>
+    <cs:lnRef idx="0"/>
+    <cs:fillRef idx="0"/>
+    <cs:effectRef idx="0"/>
+    <cs:fontRef idx="minor">
+      <a:schemeClr val="dk1"/>
+    </cs:fontRef>
+  </cs:wall>
+</cs:chartStyle>
+</file>
+
+<file path=ppt/charts/style5.xml><?xml version="1.0" encoding="utf-8"?>
+<cs:chartStyle xmlns:cs="http://schemas.microsoft.com/office/drawing/2012/chartStyle" xmlns:a="http://schemas.openxmlformats.org/drawingml/2006/main" id="264">
+  <cs:axisTitle>
+    <cs:lnRef idx="0"/>
+    <cs:fillRef idx="0"/>
+    <cs:effectRef idx="0"/>
+    <cs:fontRef idx="minor">
+      <a:schemeClr val="dk1">
+        <a:lumMod val="75000"/>
+        <a:lumOff val="25000"/>
+      </a:schemeClr>
+    </cs:fontRef>
+    <cs:defRPr sz="1197" b="1" kern="1200"/>
+  </cs:axisTitle>
+  <cs:categoryAxis>
+    <cs:lnRef idx="0"/>
+    <cs:fillRef idx="0"/>
+    <cs:effectRef idx="0"/>
+    <cs:fontRef idx="minor">
+      <a:schemeClr val="dk1">
+        <a:lumMod val="75000"/>
+        <a:lumOff val="25000"/>
+      </a:schemeClr>
+    </cs:fontRef>
+    <cs:spPr>
+      <a:ln w="19050" cap="flat" cmpd="sng" algn="ctr">
+        <a:solidFill>
+          <a:schemeClr val="dk1">
+            <a:lumMod val="75000"/>
+            <a:lumOff val="25000"/>
+          </a:schemeClr>
+        </a:solidFill>
+        <a:round/>
+      </a:ln>
+    </cs:spPr>
+    <cs:defRPr sz="1197" kern="1200" cap="all" baseline="0"/>
+  </cs:categoryAxis>
+  <cs:chartArea>
+    <cs:lnRef idx="0"/>
+    <cs:fillRef idx="0"/>
+    <cs:effectRef idx="0"/>
+    <cs:fontRef idx="minor">
+      <a:schemeClr val="dk1"/>
+    </cs:fontRef>
+    <cs:spPr>
+      <a:gradFill flip="none" rotWithShape="1">
+        <a:gsLst>
+          <a:gs pos="0">
+            <a:schemeClr val="lt1"/>
+          </a:gs>
+          <a:gs pos="39000">
+            <a:schemeClr val="lt1"/>
+          </a:gs>
+          <a:gs pos="100000">
+            <a:schemeClr val="lt1">
+              <a:lumMod val="75000"/>
+            </a:schemeClr>
+          </a:gs>
+        </a:gsLst>
+        <a:path path="circle">
+          <a:fillToRect l="50000" t="-80000" r="50000" b="180000"/>
+        </a:path>
+        <a:tileRect/>
+      </a:gradFill>
+      <a:ln w="9525" cap="flat" cmpd="sng" algn="ctr">
+        <a:solidFill>
+          <a:schemeClr val="dk1">
+            <a:lumMod val="25000"/>
+            <a:lumOff val="75000"/>
+          </a:schemeClr>
+        </a:solidFill>
+        <a:round/>
+      </a:ln>
+    </cs:spPr>
+    <cs:defRPr sz="1197" kern="1200"/>
+  </cs:chartArea>
+  <cs:dataLabel>
+    <cs:lnRef idx="0"/>
+    <cs:fillRef idx="0"/>
+    <cs:effectRef idx="0"/>
+    <cs:fontRef idx="minor">
+      <a:schemeClr val="lt1"/>
+    </cs:fontRef>
+    <cs:spPr>
+      <a:pattFill prst="pct75">
+        <a:fgClr>
+          <a:schemeClr val="dk1">
+            <a:lumMod val="75000"/>
+            <a:lumOff val="25000"/>
+          </a:schemeClr>
+        </a:fgClr>
+        <a:bgClr>
+          <a:schemeClr val="dk1">
+            <a:lumMod val="65000"/>
+            <a:lumOff val="35000"/>
+          </a:schemeClr>
+        </a:bgClr>
+      </a:pattFill>
+      <a:effectLst>
+        <a:outerShdw blurRad="50800" dist="38100" dir="2700000" algn="tl" rotWithShape="0">
+          <a:prstClr val="black">
+            <a:alpha val="40000"/>
+          </a:prstClr>
+        </a:outerShdw>
+      </a:effectLst>
+    </cs:spPr>
+    <cs:defRPr sz="1330" b="1" i="0" u="none" strike="noStrike" kern="1200" baseline="0"/>
+  </cs:dataLabel>
+  <cs:dataLabelCallout>
+    <cs:lnRef idx="0"/>
+    <cs:fillRef idx="0"/>
+    <cs:effectRef idx="0"/>
+    <cs:fontRef idx="minor">
+      <a:schemeClr val="lt1"/>
+    </cs:fontRef>
+    <cs:spPr>
+      <a:pattFill prst="pct75">
+        <a:fgClr>
+          <a:schemeClr val="dk1">
+            <a:lumMod val="75000"/>
+            <a:lumOff val="25000"/>
+          </a:schemeClr>
+        </a:fgClr>
+        <a:bgClr>
+          <a:schemeClr val="dk1">
+            <a:lumMod val="65000"/>
+            <a:lumOff val="35000"/>
+          </a:schemeClr>
+        </a:bgClr>
+      </a:pattFill>
+      <a:effectLst>
+        <a:outerShdw blurRad="50800" dist="38100" dir="2700000" algn="tl" rotWithShape="0">
+          <a:prstClr val="black">
+            <a:alpha val="40000"/>
+          </a:prstClr>
+        </a:outerShdw>
+      </a:effectLst>
+    </cs:spPr>
+    <cs:defRPr sz="1330" b="1" i="0" u="none" strike="noStrike" kern="1200" baseline="0"/>
+    <cs:bodyPr rot="0" spcFirstLastPara="1" vertOverflow="clip" horzOverflow="clip" vert="horz" wrap="square" lIns="36576" tIns="18288" rIns="36576" bIns="18288" anchor="ctr" anchorCtr="1">
+      <a:spAutoFit/>
+    </cs:bodyPr>
+  </cs:dataLabelCallout>
+  <cs:dataPoint>
+    <cs:lnRef idx="0"/>
+    <cs:fillRef idx="0">
+      <cs:styleClr val="auto"/>
+    </cs:fillRef>
+    <cs:effectRef idx="0"/>
+    <cs:fontRef idx="minor">
+      <a:schemeClr val="dk1"/>
+    </cs:fontRef>
+    <cs:spPr>
+      <a:solidFill>
+        <a:schemeClr val="phClr"/>
+      </a:solidFill>
+      <a:effectLst>
+        <a:outerShdw blurRad="254000" sx="102000" sy="102000" algn="ctr" rotWithShape="0">
+          <a:prstClr val="black">
+            <a:alpha val="20000"/>
+          </a:prstClr>
+        </a:outerShdw>
+      </a:effectLst>
+    </cs:spPr>
+  </cs:dataPoint>
+  <cs:dataPoint3D>
+    <cs:lnRef idx="0"/>
+    <cs:fillRef idx="0">
+      <cs:styleClr val="auto"/>
+    </cs:fillRef>
+    <cs:effectRef idx="0"/>
+    <cs:fontRef idx="minor">
+      <a:schemeClr val="dk1"/>
+    </cs:fontRef>
+    <cs:spPr>
+      <a:solidFill>
+        <a:schemeClr val="phClr"/>
+      </a:solidFill>
+      <a:effectLst>
+        <a:outerShdw blurRad="254000" sx="102000" sy="102000" algn="ctr" rotWithShape="0">
+          <a:prstClr val="black">
+            <a:alpha val="20000"/>
+          </a:prstClr>
+        </a:outerShdw>
+      </a:effectLst>
+    </cs:spPr>
+  </cs:dataPoint3D>
+  <cs:dataPointLine>
+    <cs:lnRef idx="0">
+      <cs:styleClr val="auto"/>
+    </cs:lnRef>
+    <cs:fillRef idx="0"/>
+    <cs:effectRef idx="0"/>
+    <cs:fontRef idx="minor">
+      <a:schemeClr val="dk1"/>
+    </cs:fontRef>
+    <cs:spPr>
+      <a:ln w="31750" cap="rnd">
+        <a:solidFill>
+          <a:schemeClr val="phClr">
+            <a:alpha val="85000"/>
+          </a:schemeClr>
+        </a:solidFill>
+        <a:round/>
+      </a:ln>
+    </cs:spPr>
+  </cs:dataPointLine>
+  <cs:dataPointMarker>
+    <cs:lnRef idx="0"/>
+    <cs:fillRef idx="0">
+      <cs:styleClr val="auto"/>
+    </cs:fillRef>
+    <cs:effectRef idx="0"/>
+    <cs:fontRef idx="minor">
+      <a:schemeClr val="dk1"/>
+    </cs:fontRef>
+    <cs:spPr>
+      <a:solidFill>
+        <a:schemeClr val="phClr">
+          <a:alpha val="85000"/>
+        </a:schemeClr>
+      </a:solidFill>
+    </cs:spPr>
+  </cs:dataPointMarker>
+  <cs:dataPointMarkerLayout symbol="circle" size="6"/>
+  <cs:dataPointWireframe>
+    <cs:lnRef idx="0">
+      <cs:styleClr val="auto"/>
+    </cs:lnRef>
+    <cs:fillRef idx="0"/>
+    <cs:effectRef idx="0"/>
+    <cs:fontRef idx="minor">
+      <a:schemeClr val="dk1"/>
+    </cs:fontRef>
+    <cs:spPr>
+      <a:ln w="9525" cap="rnd">
+        <a:solidFill>
+          <a:schemeClr val="phClr"/>
+        </a:solidFill>
+        <a:round/>
+      </a:ln>
+    </cs:spPr>
+  </cs:dataPointWireframe>
+  <cs:dataTable>
+    <cs:lnRef idx="0"/>
+    <cs:fillRef idx="0"/>
+    <cs:effectRef idx="0"/>
+    <cs:fontRef idx="minor">
+      <a:schemeClr val="dk1">
+        <a:lumMod val="75000"/>
+        <a:lumOff val="25000"/>
+      </a:schemeClr>
+    </cs:fontRef>
+    <cs:spPr>
+      <a:ln w="9525">
+        <a:solidFill>
+          <a:schemeClr val="dk1">
+            <a:lumMod val="35000"/>
+            <a:lumOff val="65000"/>
+          </a:schemeClr>
+        </a:solidFill>
+      </a:ln>
+    </cs:spPr>
+    <cs:defRPr sz="1197" kern="1200"/>
+  </cs:dataTable>
+  <cs:downBar>
+    <cs:lnRef idx="0"/>
+    <cs:fillRef idx="0"/>
+    <cs:effectRef idx="0"/>
+    <cs:fontRef idx="minor">
+      <a:schemeClr val="dk1"/>
+    </cs:fontRef>
+    <cs:spPr>
+      <a:solidFill>
+        <a:schemeClr val="dk1">
+          <a:lumMod val="50000"/>
+          <a:lumOff val="50000"/>
+        </a:schemeClr>
+      </a:solidFill>
+      <a:ln w="9525">
+        <a:solidFill>
+          <a:schemeClr val="dk1">
+            <a:lumMod val="65000"/>
+            <a:lumOff val="35000"/>
+          </a:schemeClr>
+        </a:solidFill>
+      </a:ln>
+    </cs:spPr>
+  </cs:downBar>
+  <cs:dropLine>
+    <cs:lnRef idx="0"/>
+    <cs:fillRef idx="0"/>
+    <cs:effectRef idx="0"/>
+    <cs:fontRef idx="minor">
+      <a:schemeClr val="dk1"/>
+    </cs:fontRef>
+    <cs:spPr>
+      <a:ln w="9525">
+        <a:solidFill>
+          <a:schemeClr val="dk1">
+            <a:lumMod val="35000"/>
+            <a:lumOff val="65000"/>
+          </a:schemeClr>
+        </a:solidFill>
+        <a:prstDash val="dash"/>
+      </a:ln>
+    </cs:spPr>
+  </cs:dropLine>
+  <cs:errorBar>
+    <cs:lnRef idx="0"/>
+    <cs:fillRef idx="0"/>
+    <cs:effectRef idx="0"/>
+    <cs:fontRef idx="minor">
+      <a:schemeClr val="dk1"/>
+    </cs:fontRef>
+    <cs:spPr>
+      <a:ln w="9525">
+        <a:solidFill>
+          <a:schemeClr val="dk1">
+            <a:lumMod val="65000"/>
+            <a:lumOff val="35000"/>
+          </a:schemeClr>
+        </a:solidFill>
+        <a:round/>
+      </a:ln>
+    </cs:spPr>
+  </cs:errorBar>
+  <cs:floor>
+    <cs:lnRef idx="0"/>
+    <cs:fillRef idx="0"/>
+    <cs:effectRef idx="0"/>
+    <cs:fontRef idx="minor">
+      <a:schemeClr val="dk1"/>
+    </cs:fontRef>
+  </cs:floor>
+  <cs:gridlineMajor>
+    <cs:lnRef idx="0"/>
+    <cs:fillRef idx="0"/>
+    <cs:effectRef idx="0"/>
+    <cs:fontRef idx="minor">
+      <a:schemeClr val="dk1"/>
+    </cs:fontRef>
+    <cs:spPr>
+      <a:ln w="9525" cap="flat" cmpd="sng" algn="ctr">
+        <a:gradFill>
+          <a:gsLst>
+            <a:gs pos="100000">
+              <a:schemeClr val="dk1">
+                <a:lumMod val="95000"/>
+                <a:lumOff val="5000"/>
+                <a:alpha val="42000"/>
+              </a:schemeClr>
+            </a:gs>
+            <a:gs pos="0">
+              <a:schemeClr val="lt1">
+                <a:lumMod val="75000"/>
+                <a:alpha val="36000"/>
+              </a:schemeClr>
+            </a:gs>
+          </a:gsLst>
+          <a:lin ang="5400000" scaled="0"/>
+        </a:gradFill>
+        <a:round/>
+      </a:ln>
+    </cs:spPr>
+  </cs:gridlineMajor>
+  <cs:gridlineMinor>
+    <cs:lnRef idx="0"/>
+    <cs:fillRef idx="0"/>
+    <cs:effectRef idx="0"/>
+    <cs:fontRef idx="minor">
+      <a:schemeClr val="dk1"/>
+    </cs:fontRef>
+    <cs:spPr>
+      <a:ln>
+        <a:gradFill>
+          <a:gsLst>
+            <a:gs pos="100000">
+              <a:schemeClr val="dk1">
+                <a:lumMod val="95000"/>
+                <a:lumOff val="5000"/>
+                <a:alpha val="42000"/>
+              </a:schemeClr>
+            </a:gs>
+            <a:gs pos="0">
+              <a:schemeClr val="lt1">
+                <a:lumMod val="75000"/>
+                <a:alpha val="36000"/>
+              </a:schemeClr>
+            </a:gs>
+          </a:gsLst>
+          <a:lin ang="5400000" scaled="0"/>
+        </a:gradFill>
+      </a:ln>
+    </cs:spPr>
+  </cs:gridlineMinor>
+  <cs:hiLoLine>
+    <cs:lnRef idx="0"/>
+    <cs:fillRef idx="0"/>
+    <cs:effectRef idx="0"/>
+    <cs:fontRef idx="minor">
+      <a:schemeClr val="dk1"/>
+    </cs:fontRef>
+    <cs:spPr>
+      <a:ln w="9525">
+        <a:solidFill>
+          <a:schemeClr val="dk1">
+            <a:lumMod val="35000"/>
+            <a:lumOff val="65000"/>
+          </a:schemeClr>
+        </a:solidFill>
+        <a:prstDash val="dash"/>
+      </a:ln>
+    </cs:spPr>
+  </cs:hiLoLine>
+  <cs:leaderLine>
+    <cs:lnRef idx="0"/>
+    <cs:fillRef idx="0"/>
+    <cs:effectRef idx="0"/>
+    <cs:fontRef idx="minor">
+      <a:schemeClr val="dk1"/>
+    </cs:fontRef>
+    <cs:spPr>
+      <a:ln w="9525">
+        <a:solidFill>
+          <a:schemeClr val="dk1">
+            <a:lumMod val="50000"/>
+            <a:lumOff val="50000"/>
+          </a:schemeClr>
+        </a:solidFill>
+      </a:ln>
+    </cs:spPr>
+  </cs:leaderLine>
+  <cs:legend>
+    <cs:lnRef idx="0"/>
+    <cs:fillRef idx="0"/>
+    <cs:effectRef idx="0"/>
+    <cs:fontRef idx="minor">
+      <a:schemeClr val="dk1">
+        <a:lumMod val="75000"/>
+        <a:lumOff val="25000"/>
+      </a:schemeClr>
+    </cs:fontRef>
+    <cs:spPr>
+      <a:solidFill>
+        <a:schemeClr val="lt1">
+          <a:lumMod val="95000"/>
+          <a:alpha val="39000"/>
+        </a:schemeClr>
+      </a:solidFill>
+    </cs:spPr>
+    <cs:defRPr sz="1197" kern="1200"/>
+  </cs:legend>
+  <cs:plotArea>
+    <cs:lnRef idx="0"/>
+    <cs:fillRef idx="0"/>
+    <cs:effectRef idx="0"/>
+    <cs:fontRef idx="minor">
+      <a:schemeClr val="dk1"/>
+    </cs:fontRef>
+  </cs:plotArea>
+  <cs:plotArea3D>
+    <cs:lnRef idx="0"/>
+    <cs:fillRef idx="0"/>
+    <cs:effectRef idx="0"/>
+    <cs:fontRef idx="minor">
+      <a:schemeClr val="dk1"/>
+    </cs:fontRef>
+  </cs:plotArea3D>
+  <cs:seriesAxis>
+    <cs:lnRef idx="0"/>
+    <cs:fillRef idx="0"/>
+    <cs:effectRef idx="0"/>
+    <cs:fontRef idx="minor">
+      <a:schemeClr val="dk1">
+        <a:lumMod val="75000"/>
+        <a:lumOff val="25000"/>
+      </a:schemeClr>
+    </cs:fontRef>
+    <cs:spPr>
+      <a:ln w="31750" cap="flat" cmpd="sng" algn="ctr">
+        <a:solidFill>
+          <a:schemeClr val="dk1">
+            <a:lumMod val="75000"/>
+            <a:lumOff val="25000"/>
+          </a:schemeClr>
+        </a:solidFill>
+        <a:round/>
+      </a:ln>
+    </cs:spPr>
+    <cs:defRPr sz="1197" kern="1200"/>
+  </cs:seriesAxis>
+  <cs:seriesLine>
+    <cs:lnRef idx="0"/>
+    <cs:fillRef idx="0"/>
+    <cs:effectRef idx="0"/>
+    <cs:fontRef idx="minor">
+      <a:schemeClr val="dk1"/>
+    </cs:fontRef>
+    <cs:spPr>
+      <a:ln w="9525">
+        <a:solidFill>
+          <a:schemeClr val="dk1">
+            <a:lumMod val="50000"/>
+            <a:lumOff val="50000"/>
+          </a:schemeClr>
+        </a:solidFill>
+        <a:round/>
+      </a:ln>
+    </cs:spPr>
+  </cs:seriesLine>
+  <cs:title>
+    <cs:lnRef idx="0"/>
+    <cs:fillRef idx="0"/>
+    <cs:effectRef idx="0"/>
+    <cs:fontRef idx="minor">
+      <a:schemeClr val="dk1">
+        <a:lumMod val="75000"/>
+        <a:lumOff val="25000"/>
+      </a:schemeClr>
+    </cs:fontRef>
+    <cs:defRPr sz="2200" b="1" kern="1200" baseline="0"/>
+  </cs:title>
+  <cs:trendline>
+    <cs:lnRef idx="0">
+      <cs:styleClr val="auto"/>
+    </cs:lnRef>
+    <cs:fillRef idx="0"/>
+    <cs:effectRef idx="0"/>
+    <cs:fontRef idx="minor">
+      <a:schemeClr val="dk1"/>
+    </cs:fontRef>
+    <cs:spPr>
+      <a:ln w="19050" cap="rnd">
+        <a:solidFill>
+          <a:schemeClr val="phClr"/>
+        </a:solidFill>
+      </a:ln>
+    </cs:spPr>
+  </cs:trendline>
+  <cs:trendlineLabel>
+    <cs:lnRef idx="0"/>
+    <cs:fillRef idx="0"/>
+    <cs:effectRef idx="0"/>
+    <cs:fontRef idx="minor">
+      <a:schemeClr val="dk1">
+        <a:lumMod val="75000"/>
+        <a:lumOff val="25000"/>
+      </a:schemeClr>
+    </cs:fontRef>
+    <cs:defRPr sz="1197" kern="1200"/>
+  </cs:trendlineLabel>
+  <cs:upBar>
+    <cs:lnRef idx="0"/>
+    <cs:fillRef idx="0"/>
+    <cs:effectRef idx="0"/>
+    <cs:fontRef idx="minor">
+      <a:schemeClr val="dk1"/>
+    </cs:fontRef>
+    <cs:spPr>
+      <a:solidFill>
+        <a:schemeClr val="lt1"/>
+      </a:solidFill>
+      <a:ln w="9525">
+        <a:solidFill>
+          <a:schemeClr val="dk1">
+            <a:lumMod val="65000"/>
+            <a:lumOff val="35000"/>
+          </a:schemeClr>
+        </a:solidFill>
+      </a:ln>
+    </cs:spPr>
+  </cs:upBar>
+  <cs:valueAxis>
+    <cs:lnRef idx="0"/>
+    <cs:fillRef idx="0"/>
+    <cs:effectRef idx="0"/>
+    <cs:fontRef idx="minor">
+      <a:schemeClr val="dk1">
+        <a:lumMod val="75000"/>
+        <a:lumOff val="25000"/>
+      </a:schemeClr>
+    </cs:fontRef>
+    <cs:spPr>
+      <a:ln>
+        <a:noFill/>
+      </a:ln>
+    </cs:spPr>
+    <cs:defRPr sz="1197" kern="1200"/>
+  </cs:valueAxis>
+  <cs:wall>
+    <cs:lnRef idx="0"/>
+    <cs:fillRef idx="0"/>
+    <cs:effectRef idx="0"/>
+    <cs:fontRef idx="minor">
+      <a:schemeClr val="dk1"/>
+    </cs:fontRef>
+  </cs:wall>
+</cs:chartStyle>
+</file>
+
 <file path=ppt/handoutMasters/handoutMaster1.xml><?xml version="1.0" encoding="utf-8"?>
 <p:handoutMaster xmlns:a="http://schemas.openxmlformats.org/drawingml/2006/main" xmlns:r="http://schemas.openxmlformats.org/officeDocument/2006/relationships" xmlns:p="http://schemas.openxmlformats.org/presentationml/2006/main">
   <p:cSld>
@@ -2224,7 +5342,7 @@
           <a:p>
             <a:fld id="{F20D7161-B1F2-452E-B929-CB3008A6B6C5}" type="datetimeFigureOut">
               <a:rPr lang="fr-FR" smtClean="0"/>
-              <a:t>24/11/2020</a:t>
+              <a:t>22/02/2021</a:t>
             </a:fld>
             <a:endParaRPr lang="fr-FR"/>
           </a:p>
@@ -2398,7 +5516,7 @@
           <a:p>
             <a:fld id="{0A6468AF-924B-4387-BB7E-AD483E5DC0FA}" type="datetimeFigureOut">
               <a:rPr lang="fr-FR" smtClean="0"/>
-              <a:t>24/11/2020</a:t>
+              <a:t>22/02/2021</a:t>
             </a:fld>
             <a:endParaRPr lang="fr-FR"/>
           </a:p>
@@ -3269,7 +6387,7 @@
             <a:fld id="{2CA3AB2B-189A-4C92-A457-C6A3833631A7}" type="slidenum">
               <a:rPr lang="en-US" smtClean="0"/>
               <a:pPr/>
-              <a:t>13</a:t>
+              <a:t>16</a:t>
             </a:fld>
             <a:endParaRPr lang="en-US"/>
           </a:p>
@@ -14729,6 +17847,391 @@
   <p:cSld>
     <p:spTree>
       <p:nvGrpSpPr>
+        <p:cNvPr id="1" name=""/>
+        <p:cNvGrpSpPr/>
+        <p:nvPr/>
+      </p:nvGrpSpPr>
+      <p:grpSpPr>
+        <a:xfrm>
+          <a:off x="0" y="0"/>
+          <a:ext cx="0" cy="0"/>
+          <a:chOff x="0" y="0"/>
+          <a:chExt cx="0" cy="0"/>
+        </a:xfrm>
+      </p:grpSpPr>
+      <p:graphicFrame>
+        <p:nvGraphicFramePr>
+          <p:cNvPr id="6" name="Espace réservé du contenu 5">
+            <a:extLst>
+              <a:ext uri="{FF2B5EF4-FFF2-40B4-BE49-F238E27FC236}">
+                <a16:creationId xmlns:a16="http://schemas.microsoft.com/office/drawing/2014/main" id="{362EB305-3F69-4CCC-AC83-351AB3ED49E8}"/>
+              </a:ext>
+            </a:extLst>
+          </p:cNvPr>
+          <p:cNvGraphicFramePr>
+            <a:graphicFrameLocks noGrp="1"/>
+          </p:cNvGraphicFramePr>
+          <p:nvPr>
+            <p:ph idx="1"/>
+            <p:extLst>
+              <p:ext uri="{D42A27DB-BD31-4B8C-83A1-F6EECF244321}">
+                <p14:modId xmlns:p14="http://schemas.microsoft.com/office/powerpoint/2010/main" val="1550508"/>
+              </p:ext>
+            </p:extLst>
+          </p:nvPr>
+        </p:nvGraphicFramePr>
+        <p:xfrm>
+          <a:off x="1417581" y="651750"/>
+          <a:ext cx="10217369" cy="5554499"/>
+        </p:xfrm>
+        <a:graphic>
+          <a:graphicData uri="http://schemas.openxmlformats.org/drawingml/2006/chart">
+            <c:chart xmlns:c="http://schemas.openxmlformats.org/drawingml/2006/chart" xmlns:r="http://schemas.openxmlformats.org/officeDocument/2006/relationships" r:id="rId2"/>
+          </a:graphicData>
+        </a:graphic>
+      </p:graphicFrame>
+      <p:sp>
+        <p:nvSpPr>
+          <p:cNvPr id="7" name="Titre 1">
+            <a:extLst>
+              <a:ext uri="{FF2B5EF4-FFF2-40B4-BE49-F238E27FC236}">
+                <a16:creationId xmlns:a16="http://schemas.microsoft.com/office/drawing/2014/main" id="{9D0B3E69-8A84-4738-8C43-1B1953D86517}"/>
+              </a:ext>
+            </a:extLst>
+          </p:cNvPr>
+          <p:cNvSpPr>
+            <a:spLocks noGrp="1"/>
+          </p:cNvSpPr>
+          <p:nvPr>
+            <p:ph type="title"/>
+          </p:nvPr>
+        </p:nvSpPr>
+        <p:spPr>
+          <a:xfrm>
+            <a:off x="1727792" y="566124"/>
+            <a:ext cx="8911687" cy="808442"/>
+          </a:xfrm>
+        </p:spPr>
+        <p:txBody>
+          <a:bodyPr>
+            <a:normAutofit/>
+          </a:bodyPr>
+          <a:lstStyle/>
+          <a:p>
+            <a:r>
+              <a:rPr lang="fr-FR" dirty="0">
+                <a:solidFill>
+                  <a:srgbClr val="A53010"/>
+                </a:solidFill>
+              </a:rPr>
+              <a:t>Avancement du Sprint 3</a:t>
+            </a:r>
+          </a:p>
+        </p:txBody>
+      </p:sp>
+      <p:sp>
+        <p:nvSpPr>
+          <p:cNvPr id="11" name="Espace réservé du numéro de diapositive 10">
+            <a:extLst>
+              <a:ext uri="{FF2B5EF4-FFF2-40B4-BE49-F238E27FC236}">
+                <a16:creationId xmlns:a16="http://schemas.microsoft.com/office/drawing/2014/main" id="{05A61356-FB77-4802-A660-1586B515ED00}"/>
+              </a:ext>
+            </a:extLst>
+          </p:cNvPr>
+          <p:cNvSpPr>
+            <a:spLocks noGrp="1"/>
+          </p:cNvSpPr>
+          <p:nvPr>
+            <p:ph type="sldNum" sz="quarter" idx="12"/>
+          </p:nvPr>
+        </p:nvSpPr>
+        <p:spPr/>
+        <p:txBody>
+          <a:bodyPr/>
+          <a:lstStyle/>
+          <a:p>
+            <a:fld id="{00000000-1234-1234-1234-123412341234}" type="slidenum">
+              <a:rPr lang="fr-FR" smtClean="0"/>
+              <a:pPr/>
+              <a:t>10</a:t>
+            </a:fld>
+            <a:endParaRPr lang="fr-FR"/>
+          </a:p>
+        </p:txBody>
+      </p:sp>
+    </p:spTree>
+    <p:extLst>
+      <p:ext uri="{BB962C8B-B14F-4D97-AF65-F5344CB8AC3E}">
+        <p14:creationId xmlns:p14="http://schemas.microsoft.com/office/powerpoint/2010/main" val="3698347307"/>
+      </p:ext>
+    </p:extLst>
+  </p:cSld>
+  <p:clrMapOvr>
+    <a:masterClrMapping/>
+  </p:clrMapOvr>
+</p:sld>
+</file>
+
+<file path=ppt/slides/slide11.xml><?xml version="1.0" encoding="utf-8"?>
+<p:sld xmlns:a="http://schemas.openxmlformats.org/drawingml/2006/main" xmlns:r="http://schemas.openxmlformats.org/officeDocument/2006/relationships" xmlns:p="http://schemas.openxmlformats.org/presentationml/2006/main">
+  <p:cSld>
+    <p:spTree>
+      <p:nvGrpSpPr>
+        <p:cNvPr id="1" name=""/>
+        <p:cNvGrpSpPr/>
+        <p:nvPr/>
+      </p:nvGrpSpPr>
+      <p:grpSpPr>
+        <a:xfrm>
+          <a:off x="0" y="0"/>
+          <a:ext cx="0" cy="0"/>
+          <a:chOff x="0" y="0"/>
+          <a:chExt cx="0" cy="0"/>
+        </a:xfrm>
+      </p:grpSpPr>
+      <p:graphicFrame>
+        <p:nvGraphicFramePr>
+          <p:cNvPr id="6" name="Espace réservé du contenu 5">
+            <a:extLst>
+              <a:ext uri="{FF2B5EF4-FFF2-40B4-BE49-F238E27FC236}">
+                <a16:creationId xmlns:a16="http://schemas.microsoft.com/office/drawing/2014/main" id="{362EB305-3F69-4CCC-AC83-351AB3ED49E8}"/>
+              </a:ext>
+            </a:extLst>
+          </p:cNvPr>
+          <p:cNvGraphicFramePr>
+            <a:graphicFrameLocks noGrp="1"/>
+          </p:cNvGraphicFramePr>
+          <p:nvPr>
+            <p:ph idx="1"/>
+            <p:extLst>
+              <p:ext uri="{D42A27DB-BD31-4B8C-83A1-F6EECF244321}">
+                <p14:modId xmlns:p14="http://schemas.microsoft.com/office/powerpoint/2010/main" val="2284755480"/>
+              </p:ext>
+            </p:extLst>
+          </p:nvPr>
+        </p:nvGraphicFramePr>
+        <p:xfrm>
+          <a:off x="1417581" y="651750"/>
+          <a:ext cx="10217369" cy="5554499"/>
+        </p:xfrm>
+        <a:graphic>
+          <a:graphicData uri="http://schemas.openxmlformats.org/drawingml/2006/chart">
+            <c:chart xmlns:c="http://schemas.openxmlformats.org/drawingml/2006/chart" xmlns:r="http://schemas.openxmlformats.org/officeDocument/2006/relationships" r:id="rId2"/>
+          </a:graphicData>
+        </a:graphic>
+      </p:graphicFrame>
+      <p:sp>
+        <p:nvSpPr>
+          <p:cNvPr id="7" name="Titre 1">
+            <a:extLst>
+              <a:ext uri="{FF2B5EF4-FFF2-40B4-BE49-F238E27FC236}">
+                <a16:creationId xmlns:a16="http://schemas.microsoft.com/office/drawing/2014/main" id="{9D0B3E69-8A84-4738-8C43-1B1953D86517}"/>
+              </a:ext>
+            </a:extLst>
+          </p:cNvPr>
+          <p:cNvSpPr>
+            <a:spLocks noGrp="1"/>
+          </p:cNvSpPr>
+          <p:nvPr>
+            <p:ph type="title"/>
+          </p:nvPr>
+        </p:nvSpPr>
+        <p:spPr>
+          <a:xfrm>
+            <a:off x="1727792" y="566124"/>
+            <a:ext cx="8911687" cy="808442"/>
+          </a:xfrm>
+        </p:spPr>
+        <p:txBody>
+          <a:bodyPr>
+            <a:normAutofit/>
+          </a:bodyPr>
+          <a:lstStyle/>
+          <a:p>
+            <a:r>
+              <a:rPr lang="fr-FR" dirty="0">
+                <a:solidFill>
+                  <a:srgbClr val="A53010"/>
+                </a:solidFill>
+              </a:rPr>
+              <a:t>Avancement du Sprint 3</a:t>
+            </a:r>
+          </a:p>
+        </p:txBody>
+      </p:sp>
+      <p:sp>
+        <p:nvSpPr>
+          <p:cNvPr id="11" name="Espace réservé du numéro de diapositive 10">
+            <a:extLst>
+              <a:ext uri="{FF2B5EF4-FFF2-40B4-BE49-F238E27FC236}">
+                <a16:creationId xmlns:a16="http://schemas.microsoft.com/office/drawing/2014/main" id="{05A61356-FB77-4802-A660-1586B515ED00}"/>
+              </a:ext>
+            </a:extLst>
+          </p:cNvPr>
+          <p:cNvSpPr>
+            <a:spLocks noGrp="1"/>
+          </p:cNvSpPr>
+          <p:nvPr>
+            <p:ph type="sldNum" sz="quarter" idx="12"/>
+          </p:nvPr>
+        </p:nvSpPr>
+        <p:spPr/>
+        <p:txBody>
+          <a:bodyPr/>
+          <a:lstStyle/>
+          <a:p>
+            <a:fld id="{00000000-1234-1234-1234-123412341234}" type="slidenum">
+              <a:rPr lang="fr-FR" smtClean="0"/>
+              <a:pPr/>
+              <a:t>11</a:t>
+            </a:fld>
+            <a:endParaRPr lang="fr-FR"/>
+          </a:p>
+        </p:txBody>
+      </p:sp>
+    </p:spTree>
+    <p:extLst>
+      <p:ext uri="{BB962C8B-B14F-4D97-AF65-F5344CB8AC3E}">
+        <p14:creationId xmlns:p14="http://schemas.microsoft.com/office/powerpoint/2010/main" val="614445557"/>
+      </p:ext>
+    </p:extLst>
+  </p:cSld>
+  <p:clrMapOvr>
+    <a:masterClrMapping/>
+  </p:clrMapOvr>
+</p:sld>
+</file>
+
+<file path=ppt/slides/slide12.xml><?xml version="1.0" encoding="utf-8"?>
+<p:sld xmlns:a="http://schemas.openxmlformats.org/drawingml/2006/main" xmlns:r="http://schemas.openxmlformats.org/officeDocument/2006/relationships" xmlns:p="http://schemas.openxmlformats.org/presentationml/2006/main">
+  <p:cSld>
+    <p:spTree>
+      <p:nvGrpSpPr>
+        <p:cNvPr id="1" name=""/>
+        <p:cNvGrpSpPr/>
+        <p:nvPr/>
+      </p:nvGrpSpPr>
+      <p:grpSpPr>
+        <a:xfrm>
+          <a:off x="0" y="0"/>
+          <a:ext cx="0" cy="0"/>
+          <a:chOff x="0" y="0"/>
+          <a:chExt cx="0" cy="0"/>
+        </a:xfrm>
+      </p:grpSpPr>
+      <p:graphicFrame>
+        <p:nvGraphicFramePr>
+          <p:cNvPr id="6" name="Espace réservé du contenu 5">
+            <a:extLst>
+              <a:ext uri="{FF2B5EF4-FFF2-40B4-BE49-F238E27FC236}">
+                <a16:creationId xmlns:a16="http://schemas.microsoft.com/office/drawing/2014/main" id="{362EB305-3F69-4CCC-AC83-351AB3ED49E8}"/>
+              </a:ext>
+            </a:extLst>
+          </p:cNvPr>
+          <p:cNvGraphicFramePr>
+            <a:graphicFrameLocks noGrp="1"/>
+          </p:cNvGraphicFramePr>
+          <p:nvPr>
+            <p:ph idx="1"/>
+          </p:nvPr>
+        </p:nvGraphicFramePr>
+        <p:xfrm>
+          <a:off x="1417581" y="651750"/>
+          <a:ext cx="10217369" cy="5554499"/>
+        </p:xfrm>
+        <a:graphic>
+          <a:graphicData uri="http://schemas.openxmlformats.org/drawingml/2006/chart">
+            <c:chart xmlns:c="http://schemas.openxmlformats.org/drawingml/2006/chart" xmlns:r="http://schemas.openxmlformats.org/officeDocument/2006/relationships" r:id="rId2"/>
+          </a:graphicData>
+        </a:graphic>
+      </p:graphicFrame>
+      <p:sp>
+        <p:nvSpPr>
+          <p:cNvPr id="7" name="Titre 1">
+            <a:extLst>
+              <a:ext uri="{FF2B5EF4-FFF2-40B4-BE49-F238E27FC236}">
+                <a16:creationId xmlns:a16="http://schemas.microsoft.com/office/drawing/2014/main" id="{9D0B3E69-8A84-4738-8C43-1B1953D86517}"/>
+              </a:ext>
+            </a:extLst>
+          </p:cNvPr>
+          <p:cNvSpPr>
+            <a:spLocks noGrp="1"/>
+          </p:cNvSpPr>
+          <p:nvPr>
+            <p:ph type="title"/>
+          </p:nvPr>
+        </p:nvSpPr>
+        <p:spPr>
+          <a:xfrm>
+            <a:off x="1727792" y="566124"/>
+            <a:ext cx="8911687" cy="808442"/>
+          </a:xfrm>
+        </p:spPr>
+        <p:txBody>
+          <a:bodyPr>
+            <a:normAutofit/>
+          </a:bodyPr>
+          <a:lstStyle/>
+          <a:p>
+            <a:r>
+              <a:rPr lang="fr-FR" dirty="0">
+                <a:solidFill>
+                  <a:srgbClr val="A53010"/>
+                </a:solidFill>
+              </a:rPr>
+              <a:t>Avancement du Sprint 3</a:t>
+            </a:r>
+          </a:p>
+        </p:txBody>
+      </p:sp>
+      <p:sp>
+        <p:nvSpPr>
+          <p:cNvPr id="11" name="Espace réservé du numéro de diapositive 10">
+            <a:extLst>
+              <a:ext uri="{FF2B5EF4-FFF2-40B4-BE49-F238E27FC236}">
+                <a16:creationId xmlns:a16="http://schemas.microsoft.com/office/drawing/2014/main" id="{05A61356-FB77-4802-A660-1586B515ED00}"/>
+              </a:ext>
+            </a:extLst>
+          </p:cNvPr>
+          <p:cNvSpPr>
+            <a:spLocks noGrp="1"/>
+          </p:cNvSpPr>
+          <p:nvPr>
+            <p:ph type="sldNum" sz="quarter" idx="12"/>
+          </p:nvPr>
+        </p:nvSpPr>
+        <p:spPr/>
+        <p:txBody>
+          <a:bodyPr/>
+          <a:lstStyle/>
+          <a:p>
+            <a:fld id="{00000000-1234-1234-1234-123412341234}" type="slidenum">
+              <a:rPr lang="fr-FR" smtClean="0"/>
+              <a:pPr/>
+              <a:t>12</a:t>
+            </a:fld>
+            <a:endParaRPr lang="fr-FR"/>
+          </a:p>
+        </p:txBody>
+      </p:sp>
+    </p:spTree>
+    <p:extLst>
+      <p:ext uri="{BB962C8B-B14F-4D97-AF65-F5344CB8AC3E}">
+        <p14:creationId xmlns:p14="http://schemas.microsoft.com/office/powerpoint/2010/main" val="977393451"/>
+      </p:ext>
+    </p:extLst>
+  </p:cSld>
+  <p:clrMapOvr>
+    <a:masterClrMapping/>
+  </p:clrMapOvr>
+</p:sld>
+</file>
+
+<file path=ppt/slides/slide13.xml><?xml version="1.0" encoding="utf-8"?>
+<p:sld xmlns:a="http://schemas.openxmlformats.org/drawingml/2006/main" xmlns:r="http://schemas.openxmlformats.org/officeDocument/2006/relationships" xmlns:p="http://schemas.openxmlformats.org/presentationml/2006/main">
+  <p:cSld>
+    <p:spTree>
+      <p:nvGrpSpPr>
         <p:cNvPr id="1" name="Shape 163"/>
         <p:cNvGrpSpPr/>
         <p:nvPr/>
@@ -17074,7 +20577,7 @@
                 </a:spcAft>
                 <a:buNone/>
               </a:pPr>
-              <a:t>10</a:t>
+              <a:t>13</a:t>
             </a:fld>
             <a:endParaRPr lang="fr-FR" dirty="0">
               <a:solidFill>
@@ -17097,7 +20600,7 @@
 </p:sld>
 </file>
 
-<file path=ppt/slides/slide11.xml><?xml version="1.0" encoding="utf-8"?>
+<file path=ppt/slides/slide14.xml><?xml version="1.0" encoding="utf-8"?>
 <p:sld xmlns:a="http://schemas.openxmlformats.org/drawingml/2006/main" xmlns:r="http://schemas.openxmlformats.org/officeDocument/2006/relationships" xmlns:p="http://schemas.openxmlformats.org/presentationml/2006/main">
   <p:cSld>
     <p:spTree>
@@ -23617,7 +27120,7 @@
                 </a:spcAft>
                 <a:buNone/>
               </a:pPr>
-              <a:t>11</a:t>
+              <a:t>14</a:t>
             </a:fld>
             <a:endParaRPr lang="fr-FR" dirty="0">
               <a:solidFill>
@@ -23640,7 +27143,7 @@
 </p:sld>
 </file>
 
-<file path=ppt/slides/slide12.xml><?xml version="1.0" encoding="utf-8"?>
+<file path=ppt/slides/slide15.xml><?xml version="1.0" encoding="utf-8"?>
 <p:sld xmlns:a="http://schemas.openxmlformats.org/drawingml/2006/main" xmlns:r="http://schemas.openxmlformats.org/officeDocument/2006/relationships" xmlns:p="http://schemas.openxmlformats.org/presentationml/2006/main">
   <p:cSld>
     <p:spTree>
@@ -24125,7 +27628,7 @@
             <a:fld id="{00000000-1234-1234-1234-123412341234}" type="slidenum">
               <a:rPr lang="fr-FR" smtClean="0"/>
               <a:pPr/>
-              <a:t>12</a:t>
+              <a:t>15</a:t>
             </a:fld>
             <a:endParaRPr lang="fr-FR"/>
           </a:p>
@@ -24144,7 +27647,7 @@
 </p:sld>
 </file>
 
-<file path=ppt/slides/slide13.xml><?xml version="1.0" encoding="utf-8"?>
+<file path=ppt/slides/slide16.xml><?xml version="1.0" encoding="utf-8"?>
 <p:sld xmlns:a="http://schemas.openxmlformats.org/drawingml/2006/main" xmlns:r="http://schemas.openxmlformats.org/officeDocument/2006/relationships" xmlns:p="http://schemas.openxmlformats.org/presentationml/2006/main">
   <p:cSld>
     <p:spTree>
@@ -29143,7 +32646,7 @@
             <p:ph idx="1"/>
             <p:extLst>
               <p:ext uri="{D42A27DB-BD31-4B8C-83A1-F6EECF244321}">
-                <p14:modId xmlns:p14="http://schemas.microsoft.com/office/powerpoint/2010/main" val="3129641926"/>
+                <p14:modId xmlns:p14="http://schemas.microsoft.com/office/powerpoint/2010/main" val="2104304750"/>
               </p:ext>
             </p:extLst>
           </p:nvPr>
